--- a/data-viz-01/component/preparation.pptx
+++ b/data-viz-01/component/preparation.pptx
@@ -1250,156 +1250,6 @@
             <a:r>
               <a:rPr/>
               <a:t>quickly.</a:t>
-            </a:r>
-          </a:p>
-          <a:p>
-            <a:pPr lvl="0" marL="0" indent="0">
-              <a:buNone/>
-            </a:pPr>
-          </a:p>
-          <a:p>
-            <a:pPr lvl="0" marL="0" indent="0">
-              <a:buNone/>
-            </a:pPr>
-            <a:r>
-              <a:rPr/>
-              <a:t>Note</a:t>
-            </a:r>
-            <a:r>
-              <a:rPr/>
-              <a:t> </a:t>
-            </a:r>
-            <a:r>
-              <a:rPr/>
-              <a:t>to</a:t>
-            </a:r>
-            <a:r>
-              <a:rPr/>
-              <a:t> </a:t>
-            </a:r>
-            <a:r>
-              <a:rPr/>
-              <a:t>myself:</a:t>
-            </a:r>
-            <a:r>
-              <a:rPr/>
-              <a:t> </a:t>
-            </a:r>
-            <a:r>
-              <a:rPr/>
-              <a:t>Try</a:t>
-            </a:r>
-            <a:r>
-              <a:rPr/>
-              <a:t> </a:t>
-            </a:r>
-            <a:r>
-              <a:rPr/>
-              <a:t>to</a:t>
-            </a:r>
-            <a:r>
-              <a:rPr/>
-              <a:t> </a:t>
-            </a:r>
-            <a:r>
-              <a:rPr/>
-              <a:t>keep</a:t>
-            </a:r>
-            <a:r>
-              <a:rPr/>
-              <a:t> </a:t>
-            </a:r>
-            <a:r>
-              <a:rPr/>
-              <a:t>this</a:t>
-            </a:r>
-            <a:r>
-              <a:rPr/>
-              <a:t> </a:t>
-            </a:r>
-            <a:r>
-              <a:rPr/>
-              <a:t>and</a:t>
-            </a:r>
-            <a:r>
-              <a:rPr/>
-              <a:t> </a:t>
-            </a:r>
-            <a:r>
-              <a:rPr/>
-              <a:t>every</a:t>
-            </a:r>
-            <a:r>
-              <a:rPr/>
-              <a:t> </a:t>
-            </a:r>
-            <a:r>
-              <a:rPr/>
-              <a:t>other</a:t>
-            </a:r>
-            <a:r>
-              <a:rPr/>
-              <a:t> </a:t>
-            </a:r>
-            <a:r>
-              <a:rPr/>
-              <a:t>image</a:t>
-            </a:r>
-            <a:r>
-              <a:rPr/>
-              <a:t> </a:t>
-            </a:r>
-            <a:r>
-              <a:rPr/>
-              <a:t>to</a:t>
-            </a:r>
-            <a:r>
-              <a:rPr/>
-              <a:t> </a:t>
-            </a:r>
-            <a:r>
-              <a:rPr/>
-              <a:t>no</a:t>
-            </a:r>
-            <a:r>
-              <a:rPr/>
-              <a:t> </a:t>
-            </a:r>
-            <a:r>
-              <a:rPr/>
-              <a:t>greater</a:t>
-            </a:r>
-            <a:r>
-              <a:rPr/>
-              <a:t> </a:t>
-            </a:r>
-            <a:r>
-              <a:rPr/>
-              <a:t>than</a:t>
-            </a:r>
-            <a:r>
-              <a:rPr/>
-              <a:t> </a:t>
-            </a:r>
-            <a:r>
-              <a:rPr/>
-              <a:t>800</a:t>
-            </a:r>
-            <a:r>
-              <a:rPr/>
-              <a:t> </a:t>
-            </a:r>
-            <a:r>
-              <a:rPr/>
-              <a:t>by</a:t>
-            </a:r>
-            <a:r>
-              <a:rPr/>
-              <a:t> </a:t>
-            </a:r>
-            <a:r>
-              <a:rPr/>
-              <a:t>480.</a:t>
             </a:r>
           </a:p>
         </p:txBody>
@@ -10841,7 +10691,7 @@
             </a:pPr>
             <a:r>
               <a:rPr/>
-              <a:t>V01,</a:t>
+              <a:t>Scatterplots,</a:t>
             </a:r>
             <a:r>
               <a:rPr/>
@@ -10890,6 +10740,39 @@
             <a:r>
               <a:rPr/>
               <a:t>Simon</a:t>
+            </a:r>
+          </a:p>
+        </p:txBody>
+      </p:sp>
+      <p:sp>
+        <p:nvSpPr>
+          <p:cNvPr id="4" name="Date Placeholder 3"/>
+          <p:cNvSpPr>
+            <a:spLocks noGrp="1"/>
+          </p:cNvSpPr>
+          <p:nvPr>
+            <p:ph type="dt" sz="half" idx="10"/>
+          </p:nvPr>
+        </p:nvSpPr>
+        <p:spPr/>
+        <p:txBody>
+          <a:bodyPr/>
+          <a:lstStyle/>
+          <a:p>
+            <a:pPr lvl="0" marL="0" indent="0">
+              <a:buNone/>
+            </a:pPr>
+            <a:r>
+              <a:rPr/>
+              <a:t>Created</a:t>
+            </a:r>
+            <a:r>
+              <a:rPr/>
+              <a:t> </a:t>
+            </a:r>
+            <a:r>
+              <a:rPr/>
+              <a:t>2019-08-16</a:t>
             </a:r>
           </a:p>
         </p:txBody>
@@ -10936,23 +10819,39 @@
             </a:pPr>
             <a:r>
               <a:rPr/>
-              <a:t>Importing</a:t>
-            </a:r>
-            <a:r>
-              <a:rPr/>
-              <a:t> </a:t>
-            </a:r>
-            <a:r>
-              <a:rPr/>
-              <a:t>into</a:t>
-            </a:r>
-            <a:r>
-              <a:rPr/>
-              <a:t> </a:t>
-            </a:r>
-            <a:r>
-              <a:rPr/>
-              <a:t>Tableau</a:t>
+              <a:t>Preparation,</a:t>
+            </a:r>
+            <a:r>
+              <a:rPr/>
+              <a:t> </a:t>
+            </a:r>
+            <a:r>
+              <a:rPr/>
+              <a:t>Tableau,</a:t>
+            </a:r>
+            <a:r>
+              <a:rPr/>
+              <a:t> </a:t>
+            </a:r>
+            <a:r>
+              <a:rPr/>
+              <a:t>Select</a:t>
+            </a:r>
+            <a:r>
+              <a:rPr/>
+              <a:t> </a:t>
+            </a:r>
+            <a:r>
+              <a:rPr/>
+              <a:t>your</a:t>
+            </a:r>
+            <a:r>
+              <a:rPr/>
+              <a:t> </a:t>
+            </a:r>
+            <a:r>
+              <a:rPr/>
+              <a:t>file</a:t>
             </a:r>
           </a:p>
         </p:txBody>
@@ -11115,23 +11014,31 @@
             </a:pPr>
             <a:r>
               <a:rPr/>
-              <a:t>Importing</a:t>
-            </a:r>
-            <a:r>
-              <a:rPr/>
-              <a:t> </a:t>
-            </a:r>
-            <a:r>
-              <a:rPr/>
-              <a:t>into</a:t>
-            </a:r>
-            <a:r>
-              <a:rPr/>
-              <a:t> </a:t>
-            </a:r>
-            <a:r>
-              <a:rPr/>
-              <a:t>Tableau</a:t>
+              <a:t>Preparation,</a:t>
+            </a:r>
+            <a:r>
+              <a:rPr/>
+              <a:t> </a:t>
+            </a:r>
+            <a:r>
+              <a:rPr/>
+              <a:t>Tabelau</a:t>
+            </a:r>
+            <a:r>
+              <a:rPr/>
+              <a:t> </a:t>
+            </a:r>
+            <a:r>
+              <a:rPr/>
+              <a:t>data</a:t>
+            </a:r>
+            <a:r>
+              <a:rPr/>
+              <a:t> </a:t>
+            </a:r>
+            <a:r>
+              <a:rPr/>
+              <a:t>preview</a:t>
             </a:r>
           </a:p>
         </p:txBody>
@@ -11286,23 +11193,31 @@
             </a:pPr>
             <a:r>
               <a:rPr/>
-              <a:t>Importing</a:t>
-            </a:r>
-            <a:r>
-              <a:rPr/>
-              <a:t> </a:t>
-            </a:r>
-            <a:r>
-              <a:rPr/>
-              <a:t>into</a:t>
-            </a:r>
-            <a:r>
-              <a:rPr/>
-              <a:t> </a:t>
-            </a:r>
-            <a:r>
-              <a:rPr/>
-              <a:t>Tableau</a:t>
+              <a:t>Preparation,</a:t>
+            </a:r>
+            <a:r>
+              <a:rPr/>
+              <a:t> </a:t>
+            </a:r>
+            <a:r>
+              <a:rPr/>
+              <a:t>Tableau,</a:t>
+            </a:r>
+            <a:r>
+              <a:rPr/>
+              <a:t> </a:t>
+            </a:r>
+            <a:r>
+              <a:rPr/>
+              <a:t>start</a:t>
+            </a:r>
+            <a:r>
+              <a:rPr/>
+              <a:t> </a:t>
+            </a:r>
+            <a:r>
+              <a:rPr/>
+              <a:t>visualization</a:t>
             </a:r>
           </a:p>
         </p:txBody>
@@ -11457,23 +11372,47 @@
             </a:pPr>
             <a:r>
               <a:rPr/>
-              <a:t>Importing</a:t>
-            </a:r>
-            <a:r>
-              <a:rPr/>
-              <a:t> </a:t>
-            </a:r>
-            <a:r>
-              <a:rPr/>
-              <a:t>into</a:t>
-            </a:r>
-            <a:r>
-              <a:rPr/>
-              <a:t> </a:t>
-            </a:r>
-            <a:r>
-              <a:rPr/>
-              <a:t>Tableau</a:t>
+              <a:t>Preparation,</a:t>
+            </a:r>
+            <a:r>
+              <a:rPr/>
+              <a:t> </a:t>
+            </a:r>
+            <a:r>
+              <a:rPr/>
+              <a:t>Tableau,</a:t>
+            </a:r>
+            <a:r>
+              <a:rPr/>
+              <a:t> </a:t>
+            </a:r>
+            <a:r>
+              <a:rPr/>
+              <a:t>Identify</a:t>
+            </a:r>
+            <a:r>
+              <a:rPr/>
+              <a:t> </a:t>
+            </a:r>
+            <a:r>
+              <a:rPr/>
+              <a:t>columns</a:t>
+            </a:r>
+            <a:r>
+              <a:rPr/>
+              <a:t> </a:t>
+            </a:r>
+            <a:r>
+              <a:rPr/>
+              <a:t>and</a:t>
+            </a:r>
+            <a:r>
+              <a:rPr/>
+              <a:t> </a:t>
+            </a:r>
+            <a:r>
+              <a:rPr/>
+              <a:t>rows</a:t>
             </a:r>
           </a:p>
         </p:txBody>
@@ -11644,23 +11583,31 @@
             </a:pPr>
             <a:r>
               <a:rPr/>
-              <a:t>Importing</a:t>
-            </a:r>
-            <a:r>
-              <a:rPr/>
-              <a:t> </a:t>
-            </a:r>
-            <a:r>
-              <a:rPr/>
-              <a:t>into</a:t>
-            </a:r>
-            <a:r>
-              <a:rPr/>
-              <a:t> </a:t>
-            </a:r>
-            <a:r>
-              <a:rPr/>
-              <a:t>Tableau</a:t>
+              <a:t>Preparation,</a:t>
+            </a:r>
+            <a:r>
+              <a:rPr/>
+              <a:t> </a:t>
+            </a:r>
+            <a:r>
+              <a:rPr/>
+              <a:t>Tableau,</a:t>
+            </a:r>
+            <a:r>
+              <a:rPr/>
+              <a:t> </a:t>
+            </a:r>
+            <a:r>
+              <a:rPr/>
+              <a:t>change</a:t>
+            </a:r>
+            <a:r>
+              <a:rPr/>
+              <a:t> </a:t>
+            </a:r>
+            <a:r>
+              <a:rPr/>
+              <a:t>columns</a:t>
             </a:r>
           </a:p>
         </p:txBody>
@@ -11831,23 +11778,63 @@
             </a:pPr>
             <a:r>
               <a:rPr/>
-              <a:t>Importing</a:t>
-            </a:r>
-            <a:r>
-              <a:rPr/>
-              <a:t> </a:t>
-            </a:r>
-            <a:r>
-              <a:rPr/>
-              <a:t>into</a:t>
-            </a:r>
-            <a:r>
-              <a:rPr/>
-              <a:t> </a:t>
-            </a:r>
-            <a:r>
-              <a:rPr/>
-              <a:t>Tableau</a:t>
+              <a:t>Preparation,</a:t>
+            </a:r>
+            <a:r>
+              <a:rPr/>
+              <a:t> </a:t>
+            </a:r>
+            <a:r>
+              <a:rPr/>
+              <a:t>Tableau,</a:t>
+            </a:r>
+            <a:r>
+              <a:rPr/>
+              <a:t> </a:t>
+            </a:r>
+            <a:r>
+              <a:rPr/>
+              <a:t>what</a:t>
+            </a:r>
+            <a:r>
+              <a:rPr/>
+              <a:t> </a:t>
+            </a:r>
+            <a:r>
+              <a:rPr/>
+              <a:t>your</a:t>
+            </a:r>
+            <a:r>
+              <a:rPr/>
+              <a:t> </a:t>
+            </a:r>
+            <a:r>
+              <a:rPr/>
+              <a:t>graph</a:t>
+            </a:r>
+            <a:r>
+              <a:rPr/>
+              <a:t> </a:t>
+            </a:r>
+            <a:r>
+              <a:rPr/>
+              <a:t>should</a:t>
+            </a:r>
+            <a:r>
+              <a:rPr/>
+              <a:t> </a:t>
+            </a:r>
+            <a:r>
+              <a:rPr/>
+              <a:t>look</a:t>
+            </a:r>
+            <a:r>
+              <a:rPr/>
+              <a:t> </a:t>
+            </a:r>
+            <a:r>
+              <a:rPr/>
+              <a:t>like</a:t>
             </a:r>
           </a:p>
         </p:txBody>
@@ -12018,6 +12005,14 @@
             </a:pPr>
             <a:r>
               <a:rPr/>
+              <a:t>Preparation,</a:t>
+            </a:r>
+            <a:r>
+              <a:rPr/>
+              <a:t> </a:t>
+            </a:r>
+            <a:r>
+              <a:rPr/>
               <a:t>DASL</a:t>
             </a:r>
             <a:r>
@@ -12167,15 +12162,11 @@
             </a:pPr>
             <a:r>
               <a:rPr/>
-              <a:t>Choose</a:t>
-            </a:r>
-            <a:r>
-              <a:rPr/>
-              <a:t> </a:t>
-            </a:r>
-            <a:r>
-              <a:rPr/>
-              <a:t>“</a:t>
+              <a:t>Preparation,</a:t>
+            </a:r>
+            <a:r>
+              <a:rPr/>
+              <a:t> </a:t>
             </a:r>
             <a:r>
               <a:rPr/>
@@ -12196,46 +12187,6 @@
             <a:r>
               <a:rPr/>
               <a:t>Prices</a:t>
-            </a:r>
-            <a:r>
-              <a:rPr/>
-              <a:t>”</a:t>
-            </a:r>
-            <a:r>
-              <a:rPr/>
-              <a:t> </a:t>
-            </a:r>
-            <a:r>
-              <a:rPr/>
-              <a:t>(not</a:t>
-            </a:r>
-            <a:r>
-              <a:rPr/>
-              <a:t> </a:t>
-            </a:r>
-            <a:r>
-              <a:rPr/>
-              <a:t>“</a:t>
-            </a:r>
-            <a:r>
-              <a:rPr/>
-              <a:t>Saratoga</a:t>
-            </a:r>
-            <a:r>
-              <a:rPr/>
-              <a:t> </a:t>
-            </a:r>
-            <a:r>
-              <a:rPr/>
-              <a:t>Houses</a:t>
-            </a:r>
-            <a:r>
-              <a:rPr/>
-              <a:t>”</a:t>
-            </a:r>
-            <a:r>
-              <a:rPr/>
-              <a:t>)</a:t>
             </a:r>
           </a:p>
         </p:txBody>
@@ -12390,23 +12341,15 @@
             </a:pPr>
             <a:r>
               <a:rPr/>
-              <a:t>Some</a:t>
-            </a:r>
-            <a:r>
-              <a:rPr/>
-              <a:t> </a:t>
-            </a:r>
-            <a:r>
-              <a:rPr/>
-              <a:t>general</a:t>
-            </a:r>
-            <a:r>
-              <a:rPr/>
-              <a:t> </a:t>
-            </a:r>
-            <a:r>
-              <a:rPr/>
-              <a:t>advice</a:t>
+              <a:t>Preparation,</a:t>
+            </a:r>
+            <a:r>
+              <a:rPr/>
+              <a:t> </a:t>
+            </a:r>
+            <a:r>
+              <a:rPr/>
+              <a:t>Advice</a:t>
             </a:r>
             <a:r>
               <a:rPr/>
@@ -12550,6 +12493,14 @@
             </a:pPr>
             <a:r>
               <a:rPr/>
+              <a:t>Preparation,</a:t>
+            </a:r>
+            <a:r>
+              <a:rPr/>
+              <a:t> </a:t>
+            </a:r>
+            <a:r>
+              <a:rPr/>
               <a:t>Python</a:t>
             </a:r>
             <a:r>
@@ -12638,6 +12589,14 @@
             <a:pPr lvl="0" marL="0" indent="0">
               <a:buNone/>
             </a:pPr>
+            <a:r>
+              <a:rPr/>
+              <a:t>Preparation,</a:t>
+            </a:r>
+            <a:r>
+              <a:rPr/>
+              <a:t> </a:t>
+            </a:r>
             <a:r>
               <a:rPr/>
               <a:t>Python</a:t>
@@ -12779,6 +12738,14 @@
             </a:pPr>
             <a:r>
               <a:rPr/>
+              <a:t>Preparation,</a:t>
+            </a:r>
+            <a:r>
+              <a:rPr/>
+              <a:t> </a:t>
+            </a:r>
+            <a:r>
+              <a:rPr/>
               <a:t>R</a:t>
             </a:r>
             <a:r>
@@ -12874,6 +12841,14 @@
             </a:pPr>
             <a:r>
               <a:rPr/>
+              <a:t>Preparation,</a:t>
+            </a:r>
+            <a:r>
+              <a:rPr/>
+              <a:t> </a:t>
+            </a:r>
+            <a:r>
+              <a:rPr/>
               <a:t>What</a:t>
             </a:r>
             <a:r>
@@ -12951,8 +12926,8 @@
         </p:blipFill>
         <p:spPr bwMode="auto">
           <a:xfrm>
-            <a:off x="2565400" y="1600200"/>
-            <a:ext cx="4013200" cy="4013200"/>
+            <a:off x="2311400" y="1600200"/>
+            <a:ext cx="4521200" cy="4521200"/>
           </a:xfrm>
           <a:prstGeom prst="rect">
             <a:avLst/>
@@ -12965,44 +12940,6 @@
           </a:ln>
         </p:spPr>
       </p:pic>
-      <p:sp>
-        <p:nvSpPr>
-          <p:cNvPr id="1" name="TextBox 3"/>
-          <p:cNvSpPr txBox="1"/>
-          <p:nvPr/>
-        </p:nvSpPr>
-        <p:spPr>
-          <a:xfrm>
-            <a:off x="457200" y="5613400"/>
-            <a:ext cx="8229600" cy="508000"/>
-          </a:xfrm>
-          <a:prstGeom prst="rect">
-            <a:avLst/>
-          </a:prstGeom>
-          <a:noFill/>
-        </p:spPr>
-        <p:txBody>
-          <a:bodyPr/>
-          <a:lstStyle/>
-          <a:p>
-            <a:pPr lvl="0" marL="0" indent="0" algn="ctr">
-              <a:buNone/>
-            </a:pPr>
-            <a:r>
-              <a:rPr/>
-              <a:t>Basic</a:t>
-            </a:r>
-            <a:r>
-              <a:rPr/>
-              <a:t> </a:t>
-            </a:r>
-            <a:r>
-              <a:rPr/>
-              <a:t>scatterplot</a:t>
-            </a:r>
-          </a:p>
-        </p:txBody>
-      </p:sp>
     </p:spTree>
   </p:cSld>
 </p:sld>
@@ -13045,15 +12982,7 @@
             </a:pPr>
             <a:r>
               <a:rPr/>
-              <a:t>Importing</a:t>
-            </a:r>
-            <a:r>
-              <a:rPr/>
-              <a:t> </a:t>
-            </a:r>
-            <a:r>
-              <a:rPr/>
-              <a:t>into</a:t>
+              <a:t>Preparation,</a:t>
             </a:r>
             <a:r>
               <a:rPr/>
@@ -13062,6 +12991,30 @@
             <a:r>
               <a:rPr/>
               <a:t>Tableau</a:t>
+            </a:r>
+            <a:r>
+              <a:rPr/>
+              <a:t> </a:t>
+            </a:r>
+            <a:r>
+              <a:rPr/>
+              <a:t>Open</a:t>
+            </a:r>
+            <a:r>
+              <a:rPr/>
+              <a:t> </a:t>
+            </a:r>
+            <a:r>
+              <a:rPr/>
+              <a:t>dialog</a:t>
+            </a:r>
+            <a:r>
+              <a:rPr/>
+              <a:t> </a:t>
+            </a:r>
+            <a:r>
+              <a:rPr/>
+              <a:t>box</a:t>
             </a:r>
           </a:p>
         </p:txBody>

--- a/data-viz-01/component/preparation.pptx
+++ b/data-viz-01/component/preparation.pptx
@@ -5437,6 +5437,20 @@
         <p:txBody>
           <a:bodyPr/>
           <a:lstStyle/>
+          <a:p>
+            <a:pPr lvl="0" marL="0" indent="0">
+              <a:buNone/>
+            </a:pPr>
+            <a:r>
+              <a:rPr/>
+              <a:t>http://localhost:8888/?token=defbcdfe24454796470962f1cae834a7c7c8ec78d2c9075f</a:t>
+            </a:r>
+          </a:p>
+          <a:p>
+            <a:pPr lvl="0" marL="0" indent="0">
+              <a:buNone/>
+            </a:pPr>
+          </a:p>
           <a:p>
             <a:pPr lvl="0" marL="0" indent="0">
               <a:buNone/>
@@ -12510,41 +12524,6 @@
             <a:r>
               <a:rPr/>
               <a:t>code</a:t>
-            </a:r>
-          </a:p>
-        </p:txBody>
-      </p:sp>
-      <p:sp>
-        <p:nvSpPr>
-          <p:cNvPr id="3" name="Content Placeholder 2"/>
-          <p:cNvSpPr>
-            <a:spLocks noGrp="1"/>
-          </p:cNvSpPr>
-          <p:nvPr>
-            <p:ph idx="1"/>
-          </p:nvPr>
-        </p:nvSpPr>
-        <p:spPr/>
-        <p:txBody>
-          <a:bodyPr/>
-          <a:lstStyle/>
-          <a:p>
-            <a:pPr lvl="0" marL="1270000" indent="0">
-              <a:buNone/>
-            </a:pPr>
-            <a:r>
-              <a:rPr sz="1800">
-                <a:latin typeface="Courier"/>
-              </a:rPr>
-              <a:t>http://localhost:8888/?token=defbcdfe24454796470962f1cae834a7c7c8ec78d2c9075f
-import pandas as pd
-import altair as alt
-df = pd.read_csv("data-viz-01/data/saratoga-house-prices.csv")
-ch = alt.Chart(df).mark_point().encode(
-    x='Age',
-    y='Price'
-)
-ch.save("basic-scatterplot.html")</a:t>
             </a:r>
           </a:p>
         </p:txBody>

--- a/data-viz-01/component/preparation.pptx
+++ b/data-viz-01/component/preparation.pptx
@@ -1331,55 +1331,63 @@
             </a:pPr>
             <a:r>
               <a:rPr/>
-              <a:t>Tableau</a:t>
-            </a:r>
-            <a:r>
-              <a:rPr/>
-              <a:t> </a:t>
-            </a:r>
-            <a:r>
-              <a:rPr/>
-              <a:t>makes</a:t>
-            </a:r>
-            <a:r>
-              <a:rPr/>
-              <a:t> </a:t>
-            </a:r>
-            <a:r>
-              <a:rPr/>
-              <a:t>some</a:t>
-            </a:r>
-            <a:r>
-              <a:rPr/>
-              <a:t> </a:t>
-            </a:r>
-            <a:r>
-              <a:rPr/>
-              <a:t>educated</a:t>
-            </a:r>
-            <a:r>
-              <a:rPr/>
-              <a:t> </a:t>
-            </a:r>
-            <a:r>
-              <a:rPr/>
-              <a:t>guesses</a:t>
-            </a:r>
-            <a:r>
-              <a:rPr/>
-              <a:t> </a:t>
-            </a:r>
-            <a:r>
-              <a:rPr/>
-              <a:t>about</a:t>
-            </a:r>
-            <a:r>
-              <a:rPr/>
-              <a:t> </a:t>
-            </a:r>
-            <a:r>
-              <a:rPr/>
-              <a:t>what</a:t>
+              <a:t>Your</a:t>
+            </a:r>
+            <a:r>
+              <a:rPr/>
+              <a:t> </a:t>
+            </a:r>
+            <a:r>
+              <a:rPr/>
+              <a:t>screen</a:t>
+            </a:r>
+            <a:r>
+              <a:rPr/>
+              <a:t> </a:t>
+            </a:r>
+            <a:r>
+              <a:rPr/>
+              <a:t>should</a:t>
+            </a:r>
+            <a:r>
+              <a:rPr/>
+              <a:t> </a:t>
+            </a:r>
+            <a:r>
+              <a:rPr/>
+              <a:t>look</a:t>
+            </a:r>
+            <a:r>
+              <a:rPr/>
+              <a:t> </a:t>
+            </a:r>
+            <a:r>
+              <a:rPr/>
+              <a:t>something</a:t>
+            </a:r>
+            <a:r>
+              <a:rPr/>
+              <a:t> </a:t>
+            </a:r>
+            <a:r>
+              <a:rPr/>
+              <a:t>like</a:t>
+            </a:r>
+            <a:r>
+              <a:rPr/>
+              <a:t> </a:t>
+            </a:r>
+            <a:r>
+              <a:rPr/>
+              <a:t>this</a:t>
+            </a:r>
+            <a:r>
+              <a:rPr/>
+              <a:t> </a:t>
+            </a:r>
+            <a:r>
+              <a:rPr/>
+              <a:t>if</a:t>
             </a:r>
             <a:r>
               <a:rPr/>
@@ -1395,55 +1403,71 @@
             </a:r>
             <a:r>
               <a:rPr/>
-              <a:t>want.</a:t>
-            </a:r>
-            <a:r>
-              <a:rPr/>
-              <a:t> </a:t>
-            </a:r>
-            <a:r>
-              <a:rPr/>
-              <a:t>It</a:t>
-            </a:r>
-            <a:r>
-              <a:rPr/>
-              <a:t> </a:t>
-            </a:r>
-            <a:r>
-              <a:rPr/>
-              <a:t>thinks</a:t>
-            </a:r>
-            <a:r>
-              <a:rPr/>
-              <a:t> </a:t>
-            </a:r>
-            <a:r>
-              <a:rPr/>
-              <a:t>that</a:t>
-            </a:r>
-            <a:r>
-              <a:rPr/>
-              <a:t> </a:t>
-            </a:r>
-            <a:r>
-              <a:rPr/>
-              <a:t>you</a:t>
-            </a:r>
-            <a:r>
-              <a:rPr/>
-              <a:t> </a:t>
-            </a:r>
-            <a:r>
-              <a:rPr/>
-              <a:t>are</a:t>
-            </a:r>
-            <a:r>
-              <a:rPr/>
-              <a:t> </a:t>
-            </a:r>
-            <a:r>
-              <a:rPr/>
-              <a:t>interested</a:t>
+              <a:t>imported</a:t>
+            </a:r>
+            <a:r>
+              <a:rPr/>
+              <a:t> </a:t>
+            </a:r>
+            <a:r>
+              <a:rPr/>
+              <a:t>the</a:t>
+            </a:r>
+            <a:r>
+              <a:rPr/>
+              <a:t> </a:t>
+            </a:r>
+            <a:r>
+              <a:rPr/>
+              <a:t>data</a:t>
+            </a:r>
+            <a:r>
+              <a:rPr/>
+              <a:t> </a:t>
+            </a:r>
+            <a:r>
+              <a:rPr/>
+              <a:t>correctly.</a:t>
+            </a:r>
+            <a:r>
+              <a:rPr/>
+              <a:t> </a:t>
+            </a:r>
+            <a:r>
+              <a:rPr/>
+              <a:t>Click</a:t>
+            </a:r>
+            <a:r>
+              <a:rPr/>
+              <a:t> </a:t>
+            </a:r>
+            <a:r>
+              <a:rPr/>
+              <a:t>on</a:t>
+            </a:r>
+            <a:r>
+              <a:rPr/>
+              <a:t> </a:t>
+            </a:r>
+            <a:r>
+              <a:rPr/>
+              <a:t>the</a:t>
+            </a:r>
+            <a:r>
+              <a:rPr/>
+              <a:t> </a:t>
+            </a:r>
+            <a:r>
+              <a:rPr/>
+              <a:t>sheet1</a:t>
+            </a:r>
+            <a:r>
+              <a:rPr/>
+              <a:t> </a:t>
+            </a:r>
+            <a:r>
+              <a:rPr/>
+              <a:t>tab</a:t>
             </a:r>
             <a:r>
               <a:rPr/>
@@ -1459,47 +1483,55 @@
             </a:r>
             <a:r>
               <a:rPr/>
-              <a:t>aggregating</a:t>
-            </a:r>
-            <a:r>
-              <a:rPr/>
-              <a:t> </a:t>
-            </a:r>
-            <a:r>
-              <a:rPr/>
-              <a:t>age</a:t>
-            </a:r>
-            <a:r>
-              <a:rPr/>
-              <a:t> </a:t>
-            </a:r>
-            <a:r>
-              <a:rPr/>
-              <a:t>and</a:t>
-            </a:r>
-            <a:r>
-              <a:rPr/>
-              <a:t> </a:t>
-            </a:r>
-            <a:r>
-              <a:rPr/>
-              <a:t>price</a:t>
-            </a:r>
-            <a:r>
-              <a:rPr/>
-              <a:t> </a:t>
-            </a:r>
-            <a:r>
-              <a:rPr/>
-              <a:t>and</a:t>
-            </a:r>
-            <a:r>
-              <a:rPr/>
-              <a:t> </a:t>
-            </a:r>
-            <a:r>
-              <a:rPr/>
-              <a:t>plots</a:t>
+              <a:t>the</a:t>
+            </a:r>
+            <a:r>
+              <a:rPr/>
+              <a:t> </a:t>
+            </a:r>
+            <a:r>
+              <a:rPr/>
+              <a:t>lower</a:t>
+            </a:r>
+            <a:r>
+              <a:rPr/>
+              <a:t> </a:t>
+            </a:r>
+            <a:r>
+              <a:rPr/>
+              <a:t>left</a:t>
+            </a:r>
+            <a:r>
+              <a:rPr/>
+              <a:t> </a:t>
+            </a:r>
+            <a:r>
+              <a:rPr/>
+              <a:t>corner</a:t>
+            </a:r>
+            <a:r>
+              <a:rPr/>
+              <a:t> </a:t>
+            </a:r>
+            <a:r>
+              <a:rPr/>
+              <a:t>to</a:t>
+            </a:r>
+            <a:r>
+              <a:rPr/>
+              <a:t> </a:t>
+            </a:r>
+            <a:r>
+              <a:rPr/>
+              <a:t>open</a:t>
+            </a:r>
+            <a:r>
+              <a:rPr/>
+              <a:t> </a:t>
+            </a:r>
+            <a:r>
+              <a:rPr/>
+              <a:t>up</a:t>
             </a:r>
             <a:r>
               <a:rPr/>
@@ -1515,405 +1547,23 @@
             </a:r>
             <a:r>
               <a:rPr/>
-              <a:t>single</a:t>
-            </a:r>
-            <a:r>
-              <a:rPr/>
-              <a:t> </a:t>
-            </a:r>
-            <a:r>
-              <a:rPr/>
-              <a:t>data</a:t>
-            </a:r>
-            <a:r>
-              <a:rPr/>
-              <a:t> </a:t>
-            </a:r>
-            <a:r>
-              <a:rPr/>
-              <a:t>point</a:t>
-            </a:r>
-            <a:r>
-              <a:rPr/>
-              <a:t> </a:t>
-            </a:r>
-            <a:r>
-              <a:rPr/>
-              <a:t>with</a:t>
-            </a:r>
-            <a:r>
-              <a:rPr/>
-              <a:t> </a:t>
-            </a:r>
-            <a:r>
-              <a:rPr/>
-              <a:t>the</a:t>
-            </a:r>
-            <a:r>
-              <a:rPr/>
-              <a:t> </a:t>
-            </a:r>
-            <a:r>
-              <a:rPr/>
-              <a:t>sum</a:t>
-            </a:r>
-            <a:r>
-              <a:rPr/>
-              <a:t> </a:t>
-            </a:r>
-            <a:r>
-              <a:rPr/>
-              <a:t>of</a:t>
-            </a:r>
-            <a:r>
-              <a:rPr/>
-              <a:t> </a:t>
-            </a:r>
-            <a:r>
-              <a:rPr/>
-              <a:t>all</a:t>
-            </a:r>
-            <a:r>
-              <a:rPr/>
-              <a:t> </a:t>
-            </a:r>
-            <a:r>
-              <a:rPr/>
-              <a:t>the</a:t>
-            </a:r>
-            <a:r>
-              <a:rPr/>
-              <a:t> </a:t>
-            </a:r>
-            <a:r>
-              <a:rPr/>
-              <a:t>ages</a:t>
-            </a:r>
-            <a:r>
-              <a:rPr/>
-              <a:t> </a:t>
-            </a:r>
-            <a:r>
-              <a:rPr/>
-              <a:t>of</a:t>
-            </a:r>
-            <a:r>
-              <a:rPr/>
-              <a:t> </a:t>
-            </a:r>
-            <a:r>
-              <a:rPr/>
-              <a:t>the</a:t>
-            </a:r>
-            <a:r>
-              <a:rPr/>
-              <a:t> </a:t>
-            </a:r>
-            <a:r>
-              <a:rPr/>
-              <a:t>houses</a:t>
-            </a:r>
-            <a:r>
-              <a:rPr/>
-              <a:t> </a:t>
-            </a:r>
-            <a:r>
-              <a:rPr/>
-              <a:t>on</a:t>
-            </a:r>
-            <a:r>
-              <a:rPr/>
-              <a:t> </a:t>
-            </a:r>
-            <a:r>
-              <a:rPr/>
-              <a:t>the</a:t>
-            </a:r>
-            <a:r>
-              <a:rPr/>
-              <a:t> </a:t>
-            </a:r>
-            <a:r>
-              <a:rPr/>
-              <a:t>X</a:t>
-            </a:r>
-            <a:r>
-              <a:rPr/>
-              <a:t> </a:t>
-            </a:r>
-            <a:r>
-              <a:rPr/>
-              <a:t>axis</a:t>
-            </a:r>
-            <a:r>
-              <a:rPr/>
-              <a:t> </a:t>
-            </a:r>
-            <a:r>
-              <a:rPr/>
-              <a:t>and</a:t>
-            </a:r>
-            <a:r>
-              <a:rPr/>
-              <a:t> </a:t>
-            </a:r>
-            <a:r>
-              <a:rPr/>
-              <a:t>the</a:t>
-            </a:r>
-            <a:r>
-              <a:rPr/>
-              <a:t> </a:t>
-            </a:r>
-            <a:r>
-              <a:rPr/>
-              <a:t>sum</a:t>
-            </a:r>
-            <a:r>
-              <a:rPr/>
-              <a:t> </a:t>
-            </a:r>
-            <a:r>
-              <a:rPr/>
-              <a:t>of</a:t>
-            </a:r>
-            <a:r>
-              <a:rPr/>
-              <a:t> </a:t>
-            </a:r>
-            <a:r>
-              <a:rPr/>
-              <a:t>all</a:t>
-            </a:r>
-            <a:r>
-              <a:rPr/>
-              <a:t> </a:t>
-            </a:r>
-            <a:r>
-              <a:rPr/>
-              <a:t>the</a:t>
-            </a:r>
-            <a:r>
-              <a:rPr/>
-              <a:t> </a:t>
-            </a:r>
-            <a:r>
-              <a:rPr/>
-              <a:t>prices</a:t>
-            </a:r>
-            <a:r>
-              <a:rPr/>
-              <a:t> </a:t>
-            </a:r>
-            <a:r>
-              <a:rPr/>
-              <a:t>on</a:t>
-            </a:r>
-            <a:r>
-              <a:rPr/>
-              <a:t> </a:t>
-            </a:r>
-            <a:r>
-              <a:rPr/>
-              <a:t>the</a:t>
-            </a:r>
-            <a:r>
-              <a:rPr/>
-              <a:t> </a:t>
-            </a:r>
-            <a:r>
-              <a:rPr/>
-              <a:t>Y</a:t>
-            </a:r>
-            <a:r>
-              <a:rPr/>
-              <a:t> </a:t>
-            </a:r>
-            <a:r>
-              <a:rPr/>
-              <a:t>axis.</a:t>
-            </a:r>
-          </a:p>
-          <a:p>
-            <a:pPr lvl="0" marL="0" indent="0">
-              <a:buNone/>
-            </a:pPr>
-          </a:p>
-          <a:p>
-            <a:pPr lvl="0" marL="0" indent="0">
-              <a:buNone/>
-            </a:pPr>
-            <a:r>
-              <a:rPr/>
-              <a:t>This</a:t>
-            </a:r>
-            <a:r>
-              <a:rPr/>
-              <a:t> </a:t>
-            </a:r>
-            <a:r>
-              <a:rPr/>
-              <a:t>is</a:t>
-            </a:r>
-            <a:r>
-              <a:rPr/>
-              <a:t> </a:t>
-            </a:r>
-            <a:r>
-              <a:rPr/>
-              <a:t>not</a:t>
-            </a:r>
-            <a:r>
-              <a:rPr/>
-              <a:t> </a:t>
-            </a:r>
-            <a:r>
-              <a:rPr/>
-              <a:t>what</a:t>
-            </a:r>
-            <a:r>
-              <a:rPr/>
-              <a:t> </a:t>
-            </a:r>
-            <a:r>
-              <a:rPr/>
-              <a:t>you</a:t>
-            </a:r>
-            <a:r>
-              <a:rPr/>
-              <a:t> </a:t>
-            </a:r>
-            <a:r>
-              <a:rPr/>
-              <a:t>want,</a:t>
-            </a:r>
-            <a:r>
-              <a:rPr/>
-              <a:t> </a:t>
-            </a:r>
-            <a:r>
-              <a:rPr/>
-              <a:t>but</a:t>
-            </a:r>
-            <a:r>
-              <a:rPr/>
-              <a:t> </a:t>
-            </a:r>
-            <a:r>
-              <a:rPr/>
-              <a:t>that’s</a:t>
-            </a:r>
-            <a:r>
-              <a:rPr/>
-              <a:t> </a:t>
-            </a:r>
-            <a:r>
-              <a:rPr/>
-              <a:t>okay.</a:t>
-            </a:r>
-            <a:r>
-              <a:rPr/>
-              <a:t> </a:t>
-            </a:r>
-            <a:r>
-              <a:rPr/>
-              <a:t>Better</a:t>
-            </a:r>
-            <a:r>
-              <a:rPr/>
-              <a:t> </a:t>
-            </a:r>
-            <a:r>
-              <a:rPr/>
-              <a:t>a</a:t>
-            </a:r>
-            <a:r>
-              <a:rPr/>
-              <a:t> </a:t>
-            </a:r>
-            <a:r>
-              <a:rPr/>
-              <a:t>wrong</a:t>
-            </a:r>
-            <a:r>
-              <a:rPr/>
-              <a:t> </a:t>
-            </a:r>
-            <a:r>
-              <a:rPr/>
-              <a:t>guess</a:t>
-            </a:r>
-            <a:r>
-              <a:rPr/>
-              <a:t> </a:t>
-            </a:r>
-            <a:r>
-              <a:rPr/>
-              <a:t>that</a:t>
-            </a:r>
-            <a:r>
-              <a:rPr/>
-              <a:t> </a:t>
-            </a:r>
-            <a:r>
-              <a:rPr/>
-              <a:t>you</a:t>
-            </a:r>
-            <a:r>
-              <a:rPr/>
-              <a:t> </a:t>
-            </a:r>
-            <a:r>
-              <a:rPr/>
-              <a:t>can</a:t>
-            </a:r>
-            <a:r>
-              <a:rPr/>
-              <a:t> </a:t>
-            </a:r>
-            <a:r>
-              <a:rPr/>
-              <a:t>correct</a:t>
-            </a:r>
-            <a:r>
-              <a:rPr/>
-              <a:t> </a:t>
-            </a:r>
-            <a:r>
-              <a:rPr/>
-              <a:t>than</a:t>
-            </a:r>
-            <a:r>
-              <a:rPr/>
-              <a:t> </a:t>
-            </a:r>
-            <a:r>
-              <a:rPr/>
-              <a:t>no</a:t>
-            </a:r>
-            <a:r>
-              <a:rPr/>
-              <a:t> </a:t>
-            </a:r>
-            <a:r>
-              <a:rPr/>
-              <a:t>guess</a:t>
-            </a:r>
-            <a:r>
-              <a:rPr/>
-              <a:t> </a:t>
-            </a:r>
-            <a:r>
-              <a:rPr/>
-              <a:t>at</a:t>
-            </a:r>
-            <a:r>
-              <a:rPr/>
-              <a:t> </a:t>
-            </a:r>
-            <a:r>
-              <a:rPr/>
-              <a:t>all.</a:t>
+              <a:t>blank</a:t>
+            </a:r>
+            <a:r>
+              <a:rPr/>
+              <a:t> </a:t>
+            </a:r>
+            <a:r>
+              <a:rPr/>
+              <a:t>visualization</a:t>
+            </a:r>
+            <a:r>
+              <a:rPr/>
+              <a:t> </a:t>
+            </a:r>
+            <a:r>
+              <a:rPr/>
+              <a:t>page.</a:t>
             </a:r>
           </a:p>
         </p:txBody>
@@ -1935,7 +1585,7 @@
           <a:p>
             <a:fld id="{18BDFEC3-8487-43E8-A154-7C12CBC1FFF2}" type="slidenum">
               <a:rPr lang="en-US"/>
-              <a:t>13</a:t>
+              <a:t>11</a:t>
             </a:fld>
             <a:endParaRPr lang="en-US"/>
           </a:p>
@@ -1995,15 +1645,351 @@
             </a:pPr>
             <a:r>
               <a:rPr/>
-              <a:t>Click</a:t>
-            </a:r>
-            <a:r>
-              <a:rPr/>
-              <a:t> </a:t>
-            </a:r>
-            <a:r>
-              <a:rPr/>
-              <a:t>on</a:t>
+              <a:t>Tableau</a:t>
+            </a:r>
+            <a:r>
+              <a:rPr/>
+              <a:t> </a:t>
+            </a:r>
+            <a:r>
+              <a:rPr/>
+              <a:t>will</a:t>
+            </a:r>
+            <a:r>
+              <a:rPr/>
+              <a:t> </a:t>
+            </a:r>
+            <a:r>
+              <a:rPr/>
+              <a:t>try</a:t>
+            </a:r>
+            <a:r>
+              <a:rPr/>
+              <a:t> </a:t>
+            </a:r>
+            <a:r>
+              <a:rPr/>
+              <a:t>to</a:t>
+            </a:r>
+            <a:r>
+              <a:rPr/>
+              <a:t> </a:t>
+            </a:r>
+            <a:r>
+              <a:rPr/>
+              <a:t>classify</a:t>
+            </a:r>
+            <a:r>
+              <a:rPr/>
+              <a:t> </a:t>
+            </a:r>
+            <a:r>
+              <a:rPr/>
+              <a:t>your</a:t>
+            </a:r>
+            <a:r>
+              <a:rPr/>
+              <a:t> </a:t>
+            </a:r>
+            <a:r>
+              <a:rPr/>
+              <a:t>data</a:t>
+            </a:r>
+            <a:r>
+              <a:rPr/>
+              <a:t> </a:t>
+            </a:r>
+            <a:r>
+              <a:rPr/>
+              <a:t>as</a:t>
+            </a:r>
+            <a:r>
+              <a:rPr/>
+              <a:t> </a:t>
+            </a:r>
+            <a:r>
+              <a:rPr/>
+              <a:t>measures</a:t>
+            </a:r>
+            <a:r>
+              <a:rPr/>
+              <a:t> </a:t>
+            </a:r>
+            <a:r>
+              <a:rPr/>
+              <a:t>or</a:t>
+            </a:r>
+            <a:r>
+              <a:rPr/>
+              <a:t> </a:t>
+            </a:r>
+            <a:r>
+              <a:rPr/>
+              <a:t>dimensions</a:t>
+            </a:r>
+            <a:r>
+              <a:rPr/>
+              <a:t> </a:t>
+            </a:r>
+            <a:r>
+              <a:rPr/>
+              <a:t>and</a:t>
+            </a:r>
+            <a:r>
+              <a:rPr/>
+              <a:t> </a:t>
+            </a:r>
+            <a:r>
+              <a:rPr/>
+              <a:t>will</a:t>
+            </a:r>
+            <a:r>
+              <a:rPr/>
+              <a:t> </a:t>
+            </a:r>
+            <a:r>
+              <a:rPr/>
+              <a:t>also</a:t>
+            </a:r>
+            <a:r>
+              <a:rPr/>
+              <a:t> </a:t>
+            </a:r>
+            <a:r>
+              <a:rPr/>
+              <a:t>try</a:t>
+            </a:r>
+            <a:r>
+              <a:rPr/>
+              <a:t> </a:t>
+            </a:r>
+            <a:r>
+              <a:rPr/>
+              <a:t>to</a:t>
+            </a:r>
+            <a:r>
+              <a:rPr/>
+              <a:t> </a:t>
+            </a:r>
+            <a:r>
+              <a:rPr/>
+              <a:t>decide</a:t>
+            </a:r>
+            <a:r>
+              <a:rPr/>
+              <a:t> </a:t>
+            </a:r>
+            <a:r>
+              <a:rPr/>
+              <a:t>whether</a:t>
+            </a:r>
+            <a:r>
+              <a:rPr/>
+              <a:t> </a:t>
+            </a:r>
+            <a:r>
+              <a:rPr/>
+              <a:t>they</a:t>
+            </a:r>
+            <a:r>
+              <a:rPr/>
+              <a:t> </a:t>
+            </a:r>
+            <a:r>
+              <a:rPr/>
+              <a:t>are</a:t>
+            </a:r>
+            <a:r>
+              <a:rPr/>
+              <a:t> </a:t>
+            </a:r>
+            <a:r>
+              <a:rPr/>
+              <a:t>categorical</a:t>
+            </a:r>
+            <a:r>
+              <a:rPr/>
+              <a:t> </a:t>
+            </a:r>
+            <a:r>
+              <a:rPr/>
+              <a:t>(designated</a:t>
+            </a:r>
+            <a:r>
+              <a:rPr/>
+              <a:t> </a:t>
+            </a:r>
+            <a:r>
+              <a:rPr/>
+              <a:t>by</a:t>
+            </a:r>
+            <a:r>
+              <a:rPr/>
+              <a:t> </a:t>
+            </a:r>
+            <a:r>
+              <a:rPr/>
+              <a:t>blue</a:t>
+            </a:r>
+            <a:r>
+              <a:rPr/>
+              <a:t> </a:t>
+            </a:r>
+            <a:r>
+              <a:rPr/>
+              <a:t>tags)</a:t>
+            </a:r>
+            <a:r>
+              <a:rPr/>
+              <a:t> </a:t>
+            </a:r>
+            <a:r>
+              <a:rPr/>
+              <a:t>or</a:t>
+            </a:r>
+            <a:r>
+              <a:rPr/>
+              <a:t> </a:t>
+            </a:r>
+            <a:r>
+              <a:rPr/>
+              <a:t>continuous</a:t>
+            </a:r>
+            <a:r>
+              <a:rPr/>
+              <a:t> </a:t>
+            </a:r>
+            <a:r>
+              <a:rPr/>
+              <a:t>(designated</a:t>
+            </a:r>
+            <a:r>
+              <a:rPr/>
+              <a:t> </a:t>
+            </a:r>
+            <a:r>
+              <a:rPr/>
+              <a:t>by</a:t>
+            </a:r>
+            <a:r>
+              <a:rPr/>
+              <a:t> </a:t>
+            </a:r>
+            <a:r>
+              <a:rPr/>
+              <a:t>green</a:t>
+            </a:r>
+            <a:r>
+              <a:rPr/>
+              <a:t> </a:t>
+            </a:r>
+            <a:r>
+              <a:rPr/>
+              <a:t>tags).</a:t>
+            </a:r>
+            <a:r>
+              <a:rPr/>
+              <a:t> </a:t>
+            </a:r>
+            <a:r>
+              <a:rPr/>
+              <a:t>Don’t</a:t>
+            </a:r>
+            <a:r>
+              <a:rPr/>
+              <a:t> </a:t>
+            </a:r>
+            <a:r>
+              <a:rPr/>
+              <a:t>worry</a:t>
+            </a:r>
+            <a:r>
+              <a:rPr/>
+              <a:t> </a:t>
+            </a:r>
+            <a:r>
+              <a:rPr/>
+              <a:t>too</a:t>
+            </a:r>
+            <a:r>
+              <a:rPr/>
+              <a:t> </a:t>
+            </a:r>
+            <a:r>
+              <a:rPr/>
+              <a:t>much</a:t>
+            </a:r>
+            <a:r>
+              <a:rPr/>
+              <a:t> </a:t>
+            </a:r>
+            <a:r>
+              <a:rPr/>
+              <a:t>about</a:t>
+            </a:r>
+            <a:r>
+              <a:rPr/>
+              <a:t> </a:t>
+            </a:r>
+            <a:r>
+              <a:rPr/>
+              <a:t>this</a:t>
+            </a:r>
+            <a:r>
+              <a:rPr/>
+              <a:t> </a:t>
+            </a:r>
+            <a:r>
+              <a:rPr/>
+              <a:t>now,</a:t>
+            </a:r>
+            <a:r>
+              <a:rPr/>
+              <a:t> </a:t>
+            </a:r>
+            <a:r>
+              <a:rPr/>
+              <a:t>other</a:t>
+            </a:r>
+            <a:r>
+              <a:rPr/>
+              <a:t> </a:t>
+            </a:r>
+            <a:r>
+              <a:rPr/>
+              <a:t>than</a:t>
+            </a:r>
+            <a:r>
+              <a:rPr/>
+              <a:t> </a:t>
+            </a:r>
+            <a:r>
+              <a:rPr/>
+              <a:t>to</a:t>
+            </a:r>
+            <a:r>
+              <a:rPr/>
+              <a:t> </a:t>
+            </a:r>
+            <a:r>
+              <a:rPr/>
+              <a:t>note</a:t>
+            </a:r>
+            <a:r>
+              <a:rPr/>
+              <a:t> </a:t>
+            </a:r>
+            <a:r>
+              <a:rPr/>
+              <a:t>that</a:t>
+            </a:r>
+            <a:r>
+              <a:rPr/>
+              <a:t> </a:t>
+            </a:r>
+            <a:r>
+              <a:rPr/>
+              <a:t>changing</a:t>
             </a:r>
             <a:r>
               <a:rPr/>
@@ -2019,15 +2005,149 @@
             </a:r>
             <a:r>
               <a:rPr/>
-              <a:t>green</a:t>
-            </a:r>
-            <a:r>
-              <a:rPr/>
-              <a:t> </a:t>
-            </a:r>
-            <a:r>
-              <a:rPr/>
-              <a:t>Sum(Age)</a:t>
+              <a:t>designations</a:t>
+            </a:r>
+            <a:r>
+              <a:rPr/>
+              <a:t> </a:t>
+            </a:r>
+            <a:r>
+              <a:rPr/>
+              <a:t>that</a:t>
+            </a:r>
+            <a:r>
+              <a:rPr/>
+              <a:t> </a:t>
+            </a:r>
+            <a:r>
+              <a:rPr/>
+              <a:t>Tableau</a:t>
+            </a:r>
+            <a:r>
+              <a:rPr/>
+              <a:t> </a:t>
+            </a:r>
+            <a:r>
+              <a:rPr/>
+              <a:t>makes</a:t>
+            </a:r>
+            <a:r>
+              <a:rPr/>
+              <a:t> </a:t>
+            </a:r>
+            <a:r>
+              <a:rPr/>
+              <a:t>will</a:t>
+            </a:r>
+            <a:r>
+              <a:rPr/>
+              <a:t> </a:t>
+            </a:r>
+            <a:r>
+              <a:rPr/>
+              <a:t>change</a:t>
+            </a:r>
+            <a:r>
+              <a:rPr/>
+              <a:t> </a:t>
+            </a:r>
+            <a:r>
+              <a:rPr/>
+              <a:t>how</a:t>
+            </a:r>
+            <a:r>
+              <a:rPr/>
+              <a:t> </a:t>
+            </a:r>
+            <a:r>
+              <a:rPr/>
+              <a:t>you</a:t>
+            </a:r>
+            <a:r>
+              <a:rPr/>
+              <a:t> </a:t>
+            </a:r>
+            <a:r>
+              <a:rPr/>
+              <a:t>visualize</a:t>
+            </a:r>
+            <a:r>
+              <a:rPr/>
+              <a:t> </a:t>
+            </a:r>
+            <a:r>
+              <a:rPr/>
+              <a:t>things.</a:t>
+            </a:r>
+          </a:p>
+          <a:p>
+            <a:pPr lvl="0" marL="0" indent="0">
+              <a:buNone/>
+            </a:pPr>
+          </a:p>
+          <a:p>
+            <a:pPr lvl="0" marL="0" indent="0">
+              <a:buNone/>
+            </a:pPr>
+            <a:r>
+              <a:rPr/>
+              <a:t>Drag</a:t>
+            </a:r>
+            <a:r>
+              <a:rPr/>
+              <a:t> </a:t>
+            </a:r>
+            <a:r>
+              <a:rPr/>
+              <a:t>the</a:t>
+            </a:r>
+            <a:r>
+              <a:rPr/>
+              <a:t> </a:t>
+            </a:r>
+            <a:r>
+              <a:rPr/>
+              <a:t>variable</a:t>
+            </a:r>
+            <a:r>
+              <a:rPr/>
+              <a:t> </a:t>
+            </a:r>
+            <a:r>
+              <a:rPr/>
+              <a:t>Age</a:t>
+            </a:r>
+            <a:r>
+              <a:rPr/>
+              <a:t> </a:t>
+            </a:r>
+            <a:r>
+              <a:rPr/>
+              <a:t>into</a:t>
+            </a:r>
+            <a:r>
+              <a:rPr/>
+              <a:t> </a:t>
+            </a:r>
+            <a:r>
+              <a:rPr/>
+              <a:t>the</a:t>
+            </a:r>
+            <a:r>
+              <a:rPr/>
+              <a:t> </a:t>
+            </a:r>
+            <a:r>
+              <a:rPr/>
+              <a:t>Columns</a:t>
+            </a:r>
+            <a:r>
+              <a:rPr/>
+              <a:t> </a:t>
+            </a:r>
+            <a:r>
+              <a:rPr/>
+              <a:t>field</a:t>
             </a:r>
             <a:r>
               <a:rPr/>
@@ -2043,79 +2163,23 @@
             </a:r>
             <a:r>
               <a:rPr/>
-              <a:t>change</a:t>
-            </a:r>
-            <a:r>
-              <a:rPr/>
-              <a:t> </a:t>
-            </a:r>
-            <a:r>
-              <a:rPr/>
-              <a:t>it</a:t>
-            </a:r>
-            <a:r>
-              <a:rPr/>
-              <a:t> </a:t>
-            </a:r>
-            <a:r>
-              <a:rPr/>
-              <a:t>from</a:t>
-            </a:r>
-            <a:r>
-              <a:rPr/>
-              <a:t> </a:t>
-            </a:r>
-            <a:r>
-              <a:rPr/>
-              <a:t>Measure(Sum)</a:t>
-            </a:r>
-            <a:r>
-              <a:rPr/>
-              <a:t> </a:t>
-            </a:r>
-            <a:r>
-              <a:rPr/>
-              <a:t>to</a:t>
-            </a:r>
-            <a:r>
-              <a:rPr/>
-              <a:t> </a:t>
-            </a:r>
-            <a:r>
-              <a:rPr/>
-              <a:t>Dimension.</a:t>
-            </a:r>
-            <a:r>
-              <a:rPr/>
-              <a:t> </a:t>
-            </a:r>
-            <a:r>
-              <a:rPr/>
-              <a:t>Don’t</a:t>
-            </a:r>
-            <a:r>
-              <a:rPr/>
-              <a:t> </a:t>
-            </a:r>
-            <a:r>
-              <a:rPr/>
-              <a:t>freak</a:t>
-            </a:r>
-            <a:r>
-              <a:rPr/>
-              <a:t> </a:t>
-            </a:r>
-            <a:r>
-              <a:rPr/>
-              <a:t>out</a:t>
-            </a:r>
-            <a:r>
-              <a:rPr/>
-              <a:t> </a:t>
-            </a:r>
-            <a:r>
-              <a:rPr/>
-              <a:t>when</a:t>
+              <a:t>drag</a:t>
+            </a:r>
+            <a:r>
+              <a:rPr/>
+              <a:t> </a:t>
+            </a:r>
+            <a:r>
+              <a:rPr/>
+              <a:t>Price</a:t>
+            </a:r>
+            <a:r>
+              <a:rPr/>
+              <a:t> </a:t>
+            </a:r>
+            <a:r>
+              <a:rPr/>
+              <a:t>into</a:t>
             </a:r>
             <a:r>
               <a:rPr/>
@@ -2131,183 +2195,15 @@
             </a:r>
             <a:r>
               <a:rPr/>
-              <a:t>graph</a:t>
-            </a:r>
-            <a:r>
-              <a:rPr/>
-              <a:t> </a:t>
-            </a:r>
-            <a:r>
-              <a:rPr/>
-              <a:t>goes</a:t>
-            </a:r>
-            <a:r>
-              <a:rPr/>
-              <a:t> </a:t>
-            </a:r>
-            <a:r>
-              <a:rPr/>
-              <a:t>all</a:t>
-            </a:r>
-            <a:r>
-              <a:rPr/>
-              <a:t> </a:t>
-            </a:r>
-            <a:r>
-              <a:rPr/>
-              <a:t>bonkers</a:t>
-            </a:r>
-            <a:r>
-              <a:rPr/>
-              <a:t> </a:t>
-            </a:r>
-            <a:r>
-              <a:rPr/>
-              <a:t>on</a:t>
-            </a:r>
-            <a:r>
-              <a:rPr/>
-              <a:t> </a:t>
-            </a:r>
-            <a:r>
-              <a:rPr/>
-              <a:t>you.</a:t>
-            </a:r>
-            <a:r>
-              <a:rPr/>
-              <a:t> </a:t>
-            </a:r>
-            <a:r>
-              <a:rPr/>
-              <a:t>Click</a:t>
-            </a:r>
-            <a:r>
-              <a:rPr/>
-              <a:t> </a:t>
-            </a:r>
-            <a:r>
-              <a:rPr/>
-              <a:t>on</a:t>
-            </a:r>
-            <a:r>
-              <a:rPr/>
-              <a:t> </a:t>
-            </a:r>
-            <a:r>
-              <a:rPr/>
-              <a:t>the</a:t>
-            </a:r>
-            <a:r>
-              <a:rPr/>
-              <a:t> </a:t>
-            </a:r>
-            <a:r>
-              <a:rPr/>
-              <a:t>green</a:t>
-            </a:r>
-            <a:r>
-              <a:rPr/>
-              <a:t> </a:t>
-            </a:r>
-            <a:r>
-              <a:rPr/>
-              <a:t>Sum(Price)</a:t>
-            </a:r>
-            <a:r>
-              <a:rPr/>
-              <a:t> </a:t>
-            </a:r>
-            <a:r>
-              <a:rPr/>
-              <a:t>and</a:t>
-            </a:r>
-            <a:r>
-              <a:rPr/>
-              <a:t> </a:t>
-            </a:r>
-            <a:r>
-              <a:rPr/>
-              <a:t>do</a:t>
-            </a:r>
-            <a:r>
-              <a:rPr/>
-              <a:t> </a:t>
-            </a:r>
-            <a:r>
-              <a:rPr/>
-              <a:t>the</a:t>
-            </a:r>
-            <a:r>
-              <a:rPr/>
-              <a:t> </a:t>
-            </a:r>
-            <a:r>
-              <a:rPr/>
-              <a:t>same</a:t>
-            </a:r>
-            <a:r>
-              <a:rPr/>
-              <a:t> </a:t>
-            </a:r>
-            <a:r>
-              <a:rPr/>
-              <a:t>thing.</a:t>
-            </a:r>
-            <a:r>
-              <a:rPr/>
-              <a:t> </a:t>
-            </a:r>
-            <a:r>
-              <a:rPr/>
-              <a:t>Then</a:t>
-            </a:r>
-            <a:r>
-              <a:rPr/>
-              <a:t> </a:t>
-            </a:r>
-            <a:r>
-              <a:rPr/>
-              <a:t>you’ll</a:t>
-            </a:r>
-            <a:r>
-              <a:rPr/>
-              <a:t> </a:t>
-            </a:r>
-            <a:r>
-              <a:rPr/>
-              <a:t>get</a:t>
-            </a:r>
-            <a:r>
-              <a:rPr/>
-              <a:t> </a:t>
-            </a:r>
-            <a:r>
-              <a:rPr/>
-              <a:t>a</a:t>
-            </a:r>
-            <a:r>
-              <a:rPr/>
-              <a:t> </a:t>
-            </a:r>
-            <a:r>
-              <a:rPr/>
-              <a:t>nice</a:t>
-            </a:r>
-            <a:r>
-              <a:rPr/>
-              <a:t> </a:t>
-            </a:r>
-            <a:r>
-              <a:rPr/>
-              <a:t>basic</a:t>
-            </a:r>
-            <a:r>
-              <a:rPr/>
-              <a:t> </a:t>
-            </a:r>
-            <a:r>
-              <a:rPr/>
-              <a:t>scatterplot.</a:t>
+              <a:t>Rows</a:t>
+            </a:r>
+            <a:r>
+              <a:rPr/>
+              <a:t> </a:t>
+            </a:r>
+            <a:r>
+              <a:rPr/>
+              <a:t>field</a:t>
             </a:r>
           </a:p>
         </p:txBody>
@@ -2329,7 +2225,7 @@
           <a:p>
             <a:fld id="{18BDFEC3-8487-43E8-A154-7C12CBC1FFF2}" type="slidenum">
               <a:rPr lang="en-US"/>
-              <a:t>14</a:t>
+              <a:t>12</a:t>
             </a:fld>
             <a:endParaRPr lang="en-US"/>
           </a:p>
@@ -2389,6 +2285,1064 @@
             </a:pPr>
             <a:r>
               <a:rPr/>
+              <a:t>Tableau</a:t>
+            </a:r>
+            <a:r>
+              <a:rPr/>
+              <a:t> </a:t>
+            </a:r>
+            <a:r>
+              <a:rPr/>
+              <a:t>makes</a:t>
+            </a:r>
+            <a:r>
+              <a:rPr/>
+              <a:t> </a:t>
+            </a:r>
+            <a:r>
+              <a:rPr/>
+              <a:t>some</a:t>
+            </a:r>
+            <a:r>
+              <a:rPr/>
+              <a:t> </a:t>
+            </a:r>
+            <a:r>
+              <a:rPr/>
+              <a:t>educated</a:t>
+            </a:r>
+            <a:r>
+              <a:rPr/>
+              <a:t> </a:t>
+            </a:r>
+            <a:r>
+              <a:rPr/>
+              <a:t>guesses</a:t>
+            </a:r>
+            <a:r>
+              <a:rPr/>
+              <a:t> </a:t>
+            </a:r>
+            <a:r>
+              <a:rPr/>
+              <a:t>about</a:t>
+            </a:r>
+            <a:r>
+              <a:rPr/>
+              <a:t> </a:t>
+            </a:r>
+            <a:r>
+              <a:rPr/>
+              <a:t>what</a:t>
+            </a:r>
+            <a:r>
+              <a:rPr/>
+              <a:t> </a:t>
+            </a:r>
+            <a:r>
+              <a:rPr/>
+              <a:t>you</a:t>
+            </a:r>
+            <a:r>
+              <a:rPr/>
+              <a:t> </a:t>
+            </a:r>
+            <a:r>
+              <a:rPr/>
+              <a:t>want.</a:t>
+            </a:r>
+            <a:r>
+              <a:rPr/>
+              <a:t> </a:t>
+            </a:r>
+            <a:r>
+              <a:rPr/>
+              <a:t>It</a:t>
+            </a:r>
+            <a:r>
+              <a:rPr/>
+              <a:t> </a:t>
+            </a:r>
+            <a:r>
+              <a:rPr/>
+              <a:t>thinks</a:t>
+            </a:r>
+            <a:r>
+              <a:rPr/>
+              <a:t> </a:t>
+            </a:r>
+            <a:r>
+              <a:rPr/>
+              <a:t>that</a:t>
+            </a:r>
+            <a:r>
+              <a:rPr/>
+              <a:t> </a:t>
+            </a:r>
+            <a:r>
+              <a:rPr/>
+              <a:t>you</a:t>
+            </a:r>
+            <a:r>
+              <a:rPr/>
+              <a:t> </a:t>
+            </a:r>
+            <a:r>
+              <a:rPr/>
+              <a:t>are</a:t>
+            </a:r>
+            <a:r>
+              <a:rPr/>
+              <a:t> </a:t>
+            </a:r>
+            <a:r>
+              <a:rPr/>
+              <a:t>interested</a:t>
+            </a:r>
+            <a:r>
+              <a:rPr/>
+              <a:t> </a:t>
+            </a:r>
+            <a:r>
+              <a:rPr/>
+              <a:t>in</a:t>
+            </a:r>
+            <a:r>
+              <a:rPr/>
+              <a:t> </a:t>
+            </a:r>
+            <a:r>
+              <a:rPr/>
+              <a:t>aggregating</a:t>
+            </a:r>
+            <a:r>
+              <a:rPr/>
+              <a:t> </a:t>
+            </a:r>
+            <a:r>
+              <a:rPr/>
+              <a:t>age</a:t>
+            </a:r>
+            <a:r>
+              <a:rPr/>
+              <a:t> </a:t>
+            </a:r>
+            <a:r>
+              <a:rPr/>
+              <a:t>and</a:t>
+            </a:r>
+            <a:r>
+              <a:rPr/>
+              <a:t> </a:t>
+            </a:r>
+            <a:r>
+              <a:rPr/>
+              <a:t>price</a:t>
+            </a:r>
+            <a:r>
+              <a:rPr/>
+              <a:t> </a:t>
+            </a:r>
+            <a:r>
+              <a:rPr/>
+              <a:t>and</a:t>
+            </a:r>
+            <a:r>
+              <a:rPr/>
+              <a:t> </a:t>
+            </a:r>
+            <a:r>
+              <a:rPr/>
+              <a:t>plots</a:t>
+            </a:r>
+            <a:r>
+              <a:rPr/>
+              <a:t> </a:t>
+            </a:r>
+            <a:r>
+              <a:rPr/>
+              <a:t>a</a:t>
+            </a:r>
+            <a:r>
+              <a:rPr/>
+              <a:t> </a:t>
+            </a:r>
+            <a:r>
+              <a:rPr/>
+              <a:t>single</a:t>
+            </a:r>
+            <a:r>
+              <a:rPr/>
+              <a:t> </a:t>
+            </a:r>
+            <a:r>
+              <a:rPr/>
+              <a:t>data</a:t>
+            </a:r>
+            <a:r>
+              <a:rPr/>
+              <a:t> </a:t>
+            </a:r>
+            <a:r>
+              <a:rPr/>
+              <a:t>point</a:t>
+            </a:r>
+            <a:r>
+              <a:rPr/>
+              <a:t> </a:t>
+            </a:r>
+            <a:r>
+              <a:rPr/>
+              <a:t>with</a:t>
+            </a:r>
+            <a:r>
+              <a:rPr/>
+              <a:t> </a:t>
+            </a:r>
+            <a:r>
+              <a:rPr/>
+              <a:t>the</a:t>
+            </a:r>
+            <a:r>
+              <a:rPr/>
+              <a:t> </a:t>
+            </a:r>
+            <a:r>
+              <a:rPr/>
+              <a:t>sum</a:t>
+            </a:r>
+            <a:r>
+              <a:rPr/>
+              <a:t> </a:t>
+            </a:r>
+            <a:r>
+              <a:rPr/>
+              <a:t>of</a:t>
+            </a:r>
+            <a:r>
+              <a:rPr/>
+              <a:t> </a:t>
+            </a:r>
+            <a:r>
+              <a:rPr/>
+              <a:t>all</a:t>
+            </a:r>
+            <a:r>
+              <a:rPr/>
+              <a:t> </a:t>
+            </a:r>
+            <a:r>
+              <a:rPr/>
+              <a:t>the</a:t>
+            </a:r>
+            <a:r>
+              <a:rPr/>
+              <a:t> </a:t>
+            </a:r>
+            <a:r>
+              <a:rPr/>
+              <a:t>ages</a:t>
+            </a:r>
+            <a:r>
+              <a:rPr/>
+              <a:t> </a:t>
+            </a:r>
+            <a:r>
+              <a:rPr/>
+              <a:t>of</a:t>
+            </a:r>
+            <a:r>
+              <a:rPr/>
+              <a:t> </a:t>
+            </a:r>
+            <a:r>
+              <a:rPr/>
+              <a:t>the</a:t>
+            </a:r>
+            <a:r>
+              <a:rPr/>
+              <a:t> </a:t>
+            </a:r>
+            <a:r>
+              <a:rPr/>
+              <a:t>houses</a:t>
+            </a:r>
+            <a:r>
+              <a:rPr/>
+              <a:t> </a:t>
+            </a:r>
+            <a:r>
+              <a:rPr/>
+              <a:t>on</a:t>
+            </a:r>
+            <a:r>
+              <a:rPr/>
+              <a:t> </a:t>
+            </a:r>
+            <a:r>
+              <a:rPr/>
+              <a:t>the</a:t>
+            </a:r>
+            <a:r>
+              <a:rPr/>
+              <a:t> </a:t>
+            </a:r>
+            <a:r>
+              <a:rPr/>
+              <a:t>X</a:t>
+            </a:r>
+            <a:r>
+              <a:rPr/>
+              <a:t> </a:t>
+            </a:r>
+            <a:r>
+              <a:rPr/>
+              <a:t>axis</a:t>
+            </a:r>
+            <a:r>
+              <a:rPr/>
+              <a:t> </a:t>
+            </a:r>
+            <a:r>
+              <a:rPr/>
+              <a:t>and</a:t>
+            </a:r>
+            <a:r>
+              <a:rPr/>
+              <a:t> </a:t>
+            </a:r>
+            <a:r>
+              <a:rPr/>
+              <a:t>the</a:t>
+            </a:r>
+            <a:r>
+              <a:rPr/>
+              <a:t> </a:t>
+            </a:r>
+            <a:r>
+              <a:rPr/>
+              <a:t>sum</a:t>
+            </a:r>
+            <a:r>
+              <a:rPr/>
+              <a:t> </a:t>
+            </a:r>
+            <a:r>
+              <a:rPr/>
+              <a:t>of</a:t>
+            </a:r>
+            <a:r>
+              <a:rPr/>
+              <a:t> </a:t>
+            </a:r>
+            <a:r>
+              <a:rPr/>
+              <a:t>all</a:t>
+            </a:r>
+            <a:r>
+              <a:rPr/>
+              <a:t> </a:t>
+            </a:r>
+            <a:r>
+              <a:rPr/>
+              <a:t>the</a:t>
+            </a:r>
+            <a:r>
+              <a:rPr/>
+              <a:t> </a:t>
+            </a:r>
+            <a:r>
+              <a:rPr/>
+              <a:t>prices</a:t>
+            </a:r>
+            <a:r>
+              <a:rPr/>
+              <a:t> </a:t>
+            </a:r>
+            <a:r>
+              <a:rPr/>
+              <a:t>on</a:t>
+            </a:r>
+            <a:r>
+              <a:rPr/>
+              <a:t> </a:t>
+            </a:r>
+            <a:r>
+              <a:rPr/>
+              <a:t>the</a:t>
+            </a:r>
+            <a:r>
+              <a:rPr/>
+              <a:t> </a:t>
+            </a:r>
+            <a:r>
+              <a:rPr/>
+              <a:t>Y</a:t>
+            </a:r>
+            <a:r>
+              <a:rPr/>
+              <a:t> </a:t>
+            </a:r>
+            <a:r>
+              <a:rPr/>
+              <a:t>axis.</a:t>
+            </a:r>
+          </a:p>
+          <a:p>
+            <a:pPr lvl="0" marL="0" indent="0">
+              <a:buNone/>
+            </a:pPr>
+          </a:p>
+          <a:p>
+            <a:pPr lvl="0" marL="0" indent="0">
+              <a:buNone/>
+            </a:pPr>
+            <a:r>
+              <a:rPr/>
+              <a:t>This</a:t>
+            </a:r>
+            <a:r>
+              <a:rPr/>
+              <a:t> </a:t>
+            </a:r>
+            <a:r>
+              <a:rPr/>
+              <a:t>is</a:t>
+            </a:r>
+            <a:r>
+              <a:rPr/>
+              <a:t> </a:t>
+            </a:r>
+            <a:r>
+              <a:rPr/>
+              <a:t>not</a:t>
+            </a:r>
+            <a:r>
+              <a:rPr/>
+              <a:t> </a:t>
+            </a:r>
+            <a:r>
+              <a:rPr/>
+              <a:t>what</a:t>
+            </a:r>
+            <a:r>
+              <a:rPr/>
+              <a:t> </a:t>
+            </a:r>
+            <a:r>
+              <a:rPr/>
+              <a:t>you</a:t>
+            </a:r>
+            <a:r>
+              <a:rPr/>
+              <a:t> </a:t>
+            </a:r>
+            <a:r>
+              <a:rPr/>
+              <a:t>want,</a:t>
+            </a:r>
+            <a:r>
+              <a:rPr/>
+              <a:t> </a:t>
+            </a:r>
+            <a:r>
+              <a:rPr/>
+              <a:t>but</a:t>
+            </a:r>
+            <a:r>
+              <a:rPr/>
+              <a:t> </a:t>
+            </a:r>
+            <a:r>
+              <a:rPr/>
+              <a:t>that’s</a:t>
+            </a:r>
+            <a:r>
+              <a:rPr/>
+              <a:t> </a:t>
+            </a:r>
+            <a:r>
+              <a:rPr/>
+              <a:t>okay.</a:t>
+            </a:r>
+            <a:r>
+              <a:rPr/>
+              <a:t> </a:t>
+            </a:r>
+            <a:r>
+              <a:rPr/>
+              <a:t>Better</a:t>
+            </a:r>
+            <a:r>
+              <a:rPr/>
+              <a:t> </a:t>
+            </a:r>
+            <a:r>
+              <a:rPr/>
+              <a:t>a</a:t>
+            </a:r>
+            <a:r>
+              <a:rPr/>
+              <a:t> </a:t>
+            </a:r>
+            <a:r>
+              <a:rPr/>
+              <a:t>wrong</a:t>
+            </a:r>
+            <a:r>
+              <a:rPr/>
+              <a:t> </a:t>
+            </a:r>
+            <a:r>
+              <a:rPr/>
+              <a:t>guess</a:t>
+            </a:r>
+            <a:r>
+              <a:rPr/>
+              <a:t> </a:t>
+            </a:r>
+            <a:r>
+              <a:rPr/>
+              <a:t>that</a:t>
+            </a:r>
+            <a:r>
+              <a:rPr/>
+              <a:t> </a:t>
+            </a:r>
+            <a:r>
+              <a:rPr/>
+              <a:t>you</a:t>
+            </a:r>
+            <a:r>
+              <a:rPr/>
+              <a:t> </a:t>
+            </a:r>
+            <a:r>
+              <a:rPr/>
+              <a:t>can</a:t>
+            </a:r>
+            <a:r>
+              <a:rPr/>
+              <a:t> </a:t>
+            </a:r>
+            <a:r>
+              <a:rPr/>
+              <a:t>correct</a:t>
+            </a:r>
+            <a:r>
+              <a:rPr/>
+              <a:t> </a:t>
+            </a:r>
+            <a:r>
+              <a:rPr/>
+              <a:t>than</a:t>
+            </a:r>
+            <a:r>
+              <a:rPr/>
+              <a:t> </a:t>
+            </a:r>
+            <a:r>
+              <a:rPr/>
+              <a:t>no</a:t>
+            </a:r>
+            <a:r>
+              <a:rPr/>
+              <a:t> </a:t>
+            </a:r>
+            <a:r>
+              <a:rPr/>
+              <a:t>guess</a:t>
+            </a:r>
+            <a:r>
+              <a:rPr/>
+              <a:t> </a:t>
+            </a:r>
+            <a:r>
+              <a:rPr/>
+              <a:t>at</a:t>
+            </a:r>
+            <a:r>
+              <a:rPr/>
+              <a:t> </a:t>
+            </a:r>
+            <a:r>
+              <a:rPr/>
+              <a:t>all.</a:t>
+            </a:r>
+          </a:p>
+        </p:txBody>
+      </p:sp>
+      <p:sp>
+        <p:nvSpPr>
+          <p:cNvPr id="4" name="Slide Number Placeholder 3"/>
+          <p:cNvSpPr>
+            <a:spLocks noGrp="1"/>
+          </p:cNvSpPr>
+          <p:nvPr>
+            <p:ph type="sldNum" sz="quarter" idx="10"/>
+          </p:nvPr>
+        </p:nvSpPr>
+        <p:spPr/>
+        <p:txBody>
+          <a:bodyPr/>
+          <a:lstStyle/>
+          <a:p>
+            <a:fld id="{18BDFEC3-8487-43E8-A154-7C12CBC1FFF2}" type="slidenum">
+              <a:rPr lang="en-US"/>
+              <a:t>13</a:t>
+            </a:fld>
+            <a:endParaRPr lang="en-US"/>
+          </a:p>
+        </p:txBody>
+      </p:sp>
+    </p:spTree>
+  </p:cSld>
+</p:notes>
+</file>
+
+<file path=ppt/notesSlides/notesSlide13.xml><?xml version="1.0" encoding="utf-8"?>
+<p:notes xmlns:a="http://schemas.openxmlformats.org/drawingml/2006/main" xmlns:r="http://schemas.openxmlformats.org/officeDocument/2006/relationships" xmlns:p="http://schemas.openxmlformats.org/presentationml/2006/main">
+  <p:cSld>
+    <p:spTree>
+      <p:nvGrpSpPr>
+        <p:cNvPr id="1" name=""/>
+        <p:cNvGrpSpPr/>
+        <p:nvPr/>
+      </p:nvGrpSpPr>
+      <p:grpSpPr>
+        <a:xfrm>
+          <a:off x="0" y="0"/>
+          <a:ext cx="0" cy="0"/>
+          <a:chOff x="0" y="0"/>
+          <a:chExt cx="0" cy="0"/>
+        </a:xfrm>
+      </p:grpSpPr>
+      <p:sp>
+        <p:nvSpPr>
+          <p:cNvPr id="2" name="Slide Image Placeholder 1"/>
+          <p:cNvSpPr>
+            <a:spLocks noGrp="1" noRot="1" noChangeAspect="1"/>
+          </p:cNvSpPr>
+          <p:nvPr>
+            <p:ph type="sldImg"/>
+          </p:nvPr>
+        </p:nvSpPr>
+        <p:spPr/>
+      </p:sp>
+      <p:sp>
+        <p:nvSpPr>
+          <p:cNvPr id="3" name="Notes Placeholder 2"/>
+          <p:cNvSpPr>
+            <a:spLocks noGrp="1"/>
+          </p:cNvSpPr>
+          <p:nvPr>
+            <p:ph type="body" idx="1"/>
+          </p:nvPr>
+        </p:nvSpPr>
+        <p:spPr/>
+        <p:txBody>
+          <a:bodyPr/>
+          <a:lstStyle/>
+          <a:p>
+            <a:pPr lvl="0" marL="0" indent="0">
+              <a:buNone/>
+            </a:pPr>
+            <a:r>
+              <a:rPr/>
+              <a:t>Click</a:t>
+            </a:r>
+            <a:r>
+              <a:rPr/>
+              <a:t> </a:t>
+            </a:r>
+            <a:r>
+              <a:rPr/>
+              <a:t>on</a:t>
+            </a:r>
+            <a:r>
+              <a:rPr/>
+              <a:t> </a:t>
+            </a:r>
+            <a:r>
+              <a:rPr/>
+              <a:t>the</a:t>
+            </a:r>
+            <a:r>
+              <a:rPr/>
+              <a:t> </a:t>
+            </a:r>
+            <a:r>
+              <a:rPr/>
+              <a:t>green</a:t>
+            </a:r>
+            <a:r>
+              <a:rPr/>
+              <a:t> </a:t>
+            </a:r>
+            <a:r>
+              <a:rPr/>
+              <a:t>Sum(Age)</a:t>
+            </a:r>
+            <a:r>
+              <a:rPr/>
+              <a:t> </a:t>
+            </a:r>
+            <a:r>
+              <a:rPr/>
+              <a:t>and</a:t>
+            </a:r>
+            <a:r>
+              <a:rPr/>
+              <a:t> </a:t>
+            </a:r>
+            <a:r>
+              <a:rPr/>
+              <a:t>change</a:t>
+            </a:r>
+            <a:r>
+              <a:rPr/>
+              <a:t> </a:t>
+            </a:r>
+            <a:r>
+              <a:rPr/>
+              <a:t>it</a:t>
+            </a:r>
+            <a:r>
+              <a:rPr/>
+              <a:t> </a:t>
+            </a:r>
+            <a:r>
+              <a:rPr/>
+              <a:t>from</a:t>
+            </a:r>
+            <a:r>
+              <a:rPr/>
+              <a:t> </a:t>
+            </a:r>
+            <a:r>
+              <a:rPr/>
+              <a:t>Measure(Sum)</a:t>
+            </a:r>
+            <a:r>
+              <a:rPr/>
+              <a:t> </a:t>
+            </a:r>
+            <a:r>
+              <a:rPr/>
+              <a:t>to</a:t>
+            </a:r>
+            <a:r>
+              <a:rPr/>
+              <a:t> </a:t>
+            </a:r>
+            <a:r>
+              <a:rPr/>
+              <a:t>Dimension.</a:t>
+            </a:r>
+            <a:r>
+              <a:rPr/>
+              <a:t> </a:t>
+            </a:r>
+            <a:r>
+              <a:rPr/>
+              <a:t>Don’t</a:t>
+            </a:r>
+            <a:r>
+              <a:rPr/>
+              <a:t> </a:t>
+            </a:r>
+            <a:r>
+              <a:rPr/>
+              <a:t>freak</a:t>
+            </a:r>
+            <a:r>
+              <a:rPr/>
+              <a:t> </a:t>
+            </a:r>
+            <a:r>
+              <a:rPr/>
+              <a:t>out</a:t>
+            </a:r>
+            <a:r>
+              <a:rPr/>
+              <a:t> </a:t>
+            </a:r>
+            <a:r>
+              <a:rPr/>
+              <a:t>when</a:t>
+            </a:r>
+            <a:r>
+              <a:rPr/>
+              <a:t> </a:t>
+            </a:r>
+            <a:r>
+              <a:rPr/>
+              <a:t>the</a:t>
+            </a:r>
+            <a:r>
+              <a:rPr/>
+              <a:t> </a:t>
+            </a:r>
+            <a:r>
+              <a:rPr/>
+              <a:t>graph</a:t>
+            </a:r>
+            <a:r>
+              <a:rPr/>
+              <a:t> </a:t>
+            </a:r>
+            <a:r>
+              <a:rPr/>
+              <a:t>goes</a:t>
+            </a:r>
+            <a:r>
+              <a:rPr/>
+              <a:t> </a:t>
+            </a:r>
+            <a:r>
+              <a:rPr/>
+              <a:t>all</a:t>
+            </a:r>
+            <a:r>
+              <a:rPr/>
+              <a:t> </a:t>
+            </a:r>
+            <a:r>
+              <a:rPr/>
+              <a:t>bonkers</a:t>
+            </a:r>
+            <a:r>
+              <a:rPr/>
+              <a:t> </a:t>
+            </a:r>
+            <a:r>
+              <a:rPr/>
+              <a:t>on</a:t>
+            </a:r>
+            <a:r>
+              <a:rPr/>
+              <a:t> </a:t>
+            </a:r>
+            <a:r>
+              <a:rPr/>
+              <a:t>you.</a:t>
+            </a:r>
+            <a:r>
+              <a:rPr/>
+              <a:t> </a:t>
+            </a:r>
+            <a:r>
+              <a:rPr/>
+              <a:t>Click</a:t>
+            </a:r>
+            <a:r>
+              <a:rPr/>
+              <a:t> </a:t>
+            </a:r>
+            <a:r>
+              <a:rPr/>
+              <a:t>on</a:t>
+            </a:r>
+            <a:r>
+              <a:rPr/>
+              <a:t> </a:t>
+            </a:r>
+            <a:r>
+              <a:rPr/>
+              <a:t>the</a:t>
+            </a:r>
+            <a:r>
+              <a:rPr/>
+              <a:t> </a:t>
+            </a:r>
+            <a:r>
+              <a:rPr/>
+              <a:t>green</a:t>
+            </a:r>
+            <a:r>
+              <a:rPr/>
+              <a:t> </a:t>
+            </a:r>
+            <a:r>
+              <a:rPr/>
+              <a:t>Sum(Price)</a:t>
+            </a:r>
+            <a:r>
+              <a:rPr/>
+              <a:t> </a:t>
+            </a:r>
+            <a:r>
+              <a:rPr/>
+              <a:t>and</a:t>
+            </a:r>
+            <a:r>
+              <a:rPr/>
+              <a:t> </a:t>
+            </a:r>
+            <a:r>
+              <a:rPr/>
+              <a:t>do</a:t>
+            </a:r>
+            <a:r>
+              <a:rPr/>
+              <a:t> </a:t>
+            </a:r>
+            <a:r>
+              <a:rPr/>
+              <a:t>the</a:t>
+            </a:r>
+            <a:r>
+              <a:rPr/>
+              <a:t> </a:t>
+            </a:r>
+            <a:r>
+              <a:rPr/>
+              <a:t>same</a:t>
+            </a:r>
+            <a:r>
+              <a:rPr/>
+              <a:t> </a:t>
+            </a:r>
+            <a:r>
+              <a:rPr/>
+              <a:t>thing.</a:t>
+            </a:r>
+            <a:r>
+              <a:rPr/>
+              <a:t> </a:t>
+            </a:r>
+            <a:r>
+              <a:rPr/>
+              <a:t>Then</a:t>
+            </a:r>
+            <a:r>
+              <a:rPr/>
+              <a:t> </a:t>
+            </a:r>
+            <a:r>
+              <a:rPr/>
+              <a:t>you’ll</a:t>
+            </a:r>
+            <a:r>
+              <a:rPr/>
+              <a:t> </a:t>
+            </a:r>
+            <a:r>
+              <a:rPr/>
+              <a:t>get</a:t>
+            </a:r>
+            <a:r>
+              <a:rPr/>
+              <a:t> </a:t>
+            </a:r>
+            <a:r>
+              <a:rPr/>
+              <a:t>a</a:t>
+            </a:r>
+            <a:r>
+              <a:rPr/>
+              <a:t> </a:t>
+            </a:r>
+            <a:r>
+              <a:rPr/>
+              <a:t>nice</a:t>
+            </a:r>
+            <a:r>
+              <a:rPr/>
+              <a:t> </a:t>
+            </a:r>
+            <a:r>
+              <a:rPr/>
+              <a:t>basic</a:t>
+            </a:r>
+            <a:r>
+              <a:rPr/>
+              <a:t> </a:t>
+            </a:r>
+            <a:r>
+              <a:rPr/>
+              <a:t>scatterplot.</a:t>
+            </a:r>
+          </a:p>
+        </p:txBody>
+      </p:sp>
+      <p:sp>
+        <p:nvSpPr>
+          <p:cNvPr id="4" name="Slide Number Placeholder 3"/>
+          <p:cNvSpPr>
+            <a:spLocks noGrp="1"/>
+          </p:cNvSpPr>
+          <p:nvPr>
+            <p:ph type="sldNum" sz="quarter" idx="10"/>
+          </p:nvPr>
+        </p:nvSpPr>
+        <p:spPr/>
+        <p:txBody>
+          <a:bodyPr/>
+          <a:lstStyle/>
+          <a:p>
+            <a:fld id="{18BDFEC3-8487-43E8-A154-7C12CBC1FFF2}" type="slidenum">
+              <a:rPr lang="en-US"/>
+              <a:t>14</a:t>
+            </a:fld>
+            <a:endParaRPr lang="en-US"/>
+          </a:p>
+        </p:txBody>
+      </p:sp>
+    </p:spTree>
+  </p:cSld>
+</p:notes>
+</file>
+
+<file path=ppt/notesSlides/notesSlide14.xml><?xml version="1.0" encoding="utf-8"?>
+<p:notes xmlns:a="http://schemas.openxmlformats.org/drawingml/2006/main" xmlns:r="http://schemas.openxmlformats.org/officeDocument/2006/relationships" xmlns:p="http://schemas.openxmlformats.org/presentationml/2006/main">
+  <p:cSld>
+    <p:spTree>
+      <p:nvGrpSpPr>
+        <p:cNvPr id="1" name=""/>
+        <p:cNvGrpSpPr/>
+        <p:nvPr/>
+      </p:nvGrpSpPr>
+      <p:grpSpPr>
+        <a:xfrm>
+          <a:off x="0" y="0"/>
+          <a:ext cx="0" cy="0"/>
+          <a:chOff x="0" y="0"/>
+          <a:chExt cx="0" cy="0"/>
+        </a:xfrm>
+      </p:grpSpPr>
+      <p:sp>
+        <p:nvSpPr>
+          <p:cNvPr id="2" name="Slide Image Placeholder 1"/>
+          <p:cNvSpPr>
+            <a:spLocks noGrp="1" noRot="1" noChangeAspect="1"/>
+          </p:cNvSpPr>
+          <p:nvPr>
+            <p:ph type="sldImg"/>
+          </p:nvPr>
+        </p:nvSpPr>
+        <p:spPr/>
+      </p:sp>
+      <p:sp>
+        <p:nvSpPr>
+          <p:cNvPr id="3" name="Notes Placeholder 2"/>
+          <p:cNvSpPr>
+            <a:spLocks noGrp="1"/>
+          </p:cNvSpPr>
+          <p:nvPr>
+            <p:ph type="body" idx="1"/>
+          </p:nvPr>
+        </p:nvSpPr>
+        <p:spPr/>
+        <p:txBody>
+          <a:bodyPr/>
+          <a:lstStyle/>
+          <a:p>
+            <a:pPr lvl="0" marL="0" indent="0">
+              <a:buNone/>
+            </a:pPr>
+            <a:r>
+              <a:rPr/>
               <a:t>Did</a:t>
             </a:r>
             <a:r>
@@ -5443,20 +6397,6 @@
             </a:pPr>
             <a:r>
               <a:rPr/>
-              <a:t>http://localhost:8888/?token=defbcdfe24454796470962f1cae834a7c7c8ec78d2c9075f</a:t>
-            </a:r>
-          </a:p>
-          <a:p>
-            <a:pPr lvl="0" marL="0" indent="0">
-              <a:buNone/>
-            </a:pPr>
-          </a:p>
-          <a:p>
-            <a:pPr lvl="0" marL="0" indent="0">
-              <a:buNone/>
-            </a:pPr>
-            <a:r>
-              <a:rPr/>
               <a:t>Here</a:t>
             </a:r>
             <a:r>
@@ -5570,6 +6510,142 @@
             <a:r>
               <a:rPr/>
               <a:t>scatterplot.</a:t>
+            </a:r>
+            <a:r>
+              <a:rPr/>
+              <a:t> </a:t>
+            </a:r>
+            <a:r>
+              <a:rPr/>
+              <a:t>You</a:t>
+            </a:r>
+            <a:r>
+              <a:rPr/>
+              <a:t> </a:t>
+            </a:r>
+            <a:r>
+              <a:rPr/>
+              <a:t>may</a:t>
+            </a:r>
+            <a:r>
+              <a:rPr/>
+              <a:t> </a:t>
+            </a:r>
+            <a:r>
+              <a:rPr/>
+              <a:t>need</a:t>
+            </a:r>
+            <a:r>
+              <a:rPr/>
+              <a:t> </a:t>
+            </a:r>
+            <a:r>
+              <a:rPr/>
+              <a:t>to</a:t>
+            </a:r>
+            <a:r>
+              <a:rPr/>
+              <a:t> </a:t>
+            </a:r>
+            <a:r>
+              <a:rPr/>
+              <a:t>adapt</a:t>
+            </a:r>
+            <a:r>
+              <a:rPr/>
+              <a:t> </a:t>
+            </a:r>
+            <a:r>
+              <a:rPr/>
+              <a:t>the</a:t>
+            </a:r>
+            <a:r>
+              <a:rPr/>
+              <a:t> </a:t>
+            </a:r>
+            <a:r>
+              <a:rPr/>
+              <a:t>names</a:t>
+            </a:r>
+            <a:r>
+              <a:rPr/>
+              <a:t> </a:t>
+            </a:r>
+            <a:r>
+              <a:rPr/>
+              <a:t>of</a:t>
+            </a:r>
+            <a:r>
+              <a:rPr/>
+              <a:t> </a:t>
+            </a:r>
+            <a:r>
+              <a:rPr/>
+              <a:t>the</a:t>
+            </a:r>
+            <a:r>
+              <a:rPr/>
+              <a:t> </a:t>
+            </a:r>
+            <a:r>
+              <a:rPr/>
+              <a:t>files</a:t>
+            </a:r>
+            <a:r>
+              <a:rPr/>
+              <a:t> </a:t>
+            </a:r>
+            <a:r>
+              <a:rPr/>
+              <a:t>or</a:t>
+            </a:r>
+            <a:r>
+              <a:rPr/>
+              <a:t> </a:t>
+            </a:r>
+            <a:r>
+              <a:rPr/>
+              <a:t>the</a:t>
+            </a:r>
+            <a:r>
+              <a:rPr/>
+              <a:t> </a:t>
+            </a:r>
+            <a:r>
+              <a:rPr/>
+              <a:t>directories</a:t>
+            </a:r>
+            <a:r>
+              <a:rPr/>
+              <a:t> </a:t>
+            </a:r>
+            <a:r>
+              <a:rPr/>
+              <a:t>where</a:t>
+            </a:r>
+            <a:r>
+              <a:rPr/>
+              <a:t> </a:t>
+            </a:r>
+            <a:r>
+              <a:rPr/>
+              <a:t>they</a:t>
+            </a:r>
+            <a:r>
+              <a:rPr/>
+              <a:t> </a:t>
+            </a:r>
+            <a:r>
+              <a:rPr/>
+              <a:t>are</a:t>
+            </a:r>
+            <a:r>
+              <a:rPr/>
+              <a:t> </a:t>
+            </a:r>
+            <a:r>
+              <a:rPr/>
+              <a:t>stored.</a:t>
             </a:r>
           </a:p>
         </p:txBody>
@@ -5651,7 +6727,39 @@
             </a:pPr>
             <a:r>
               <a:rPr/>
-              <a:t>Here’s</a:t>
+              <a:t>See</a:t>
+            </a:r>
+            <a:r>
+              <a:rPr/>
+              <a:t> </a:t>
+            </a:r>
+            <a:r>
+              <a:rPr/>
+              <a:t>if</a:t>
+            </a:r>
+            <a:r>
+              <a:rPr/>
+              <a:t> </a:t>
+            </a:r>
+            <a:r>
+              <a:rPr/>
+              <a:t>you</a:t>
+            </a:r>
+            <a:r>
+              <a:rPr/>
+              <a:t> </a:t>
+            </a:r>
+            <a:r>
+              <a:rPr/>
+              <a:t>can</a:t>
+            </a:r>
+            <a:r>
+              <a:rPr/>
+              <a:t> </a:t>
+            </a:r>
+            <a:r>
+              <a:rPr/>
+              <a:t>get</a:t>
             </a:r>
             <a:r>
               <a:rPr/>
@@ -5667,15 +6775,239 @@
             </a:r>
             <a:r>
               <a:rPr/>
-              <a:t>brief</a:t>
-            </a:r>
-            <a:r>
-              <a:rPr/>
-              <a:t> </a:t>
-            </a:r>
-            <a:r>
-              <a:rPr/>
-              <a:t>bit</a:t>
+              <a:t>graph</a:t>
+            </a:r>
+            <a:r>
+              <a:rPr/>
+              <a:t> </a:t>
+            </a:r>
+            <a:r>
+              <a:rPr/>
+              <a:t>that</a:t>
+            </a:r>
+            <a:r>
+              <a:rPr/>
+              <a:t> </a:t>
+            </a:r>
+            <a:r>
+              <a:rPr/>
+              <a:t>looks</a:t>
+            </a:r>
+            <a:r>
+              <a:rPr/>
+              <a:t> </a:t>
+            </a:r>
+            <a:r>
+              <a:rPr/>
+              <a:t>something</a:t>
+            </a:r>
+            <a:r>
+              <a:rPr/>
+              <a:t> </a:t>
+            </a:r>
+            <a:r>
+              <a:rPr/>
+              <a:t>like</a:t>
+            </a:r>
+            <a:r>
+              <a:rPr/>
+              <a:t> </a:t>
+            </a:r>
+            <a:r>
+              <a:rPr/>
+              <a:t>this.</a:t>
+            </a:r>
+            <a:r>
+              <a:rPr/>
+              <a:t> </a:t>
+            </a:r>
+            <a:r>
+              <a:rPr/>
+              <a:t>If</a:t>
+            </a:r>
+            <a:r>
+              <a:rPr/>
+              <a:t> </a:t>
+            </a:r>
+            <a:r>
+              <a:rPr/>
+              <a:t>your</a:t>
+            </a:r>
+            <a:r>
+              <a:rPr/>
+              <a:t> </a:t>
+            </a:r>
+            <a:r>
+              <a:rPr/>
+              <a:t>graph</a:t>
+            </a:r>
+            <a:r>
+              <a:rPr/>
+              <a:t> </a:t>
+            </a:r>
+            <a:r>
+              <a:rPr/>
+              <a:t>uses</a:t>
+            </a:r>
+            <a:r>
+              <a:rPr/>
+              <a:t> </a:t>
+            </a:r>
+            <a:r>
+              <a:rPr/>
+              <a:t>different</a:t>
+            </a:r>
+            <a:r>
+              <a:rPr/>
+              <a:t> </a:t>
+            </a:r>
+            <a:r>
+              <a:rPr/>
+              <a:t>colors,</a:t>
+            </a:r>
+            <a:r>
+              <a:rPr/>
+              <a:t> </a:t>
+            </a:r>
+            <a:r>
+              <a:rPr/>
+              <a:t>scaling,</a:t>
+            </a:r>
+            <a:r>
+              <a:rPr/>
+              <a:t> </a:t>
+            </a:r>
+            <a:r>
+              <a:rPr/>
+              <a:t>etc.</a:t>
+            </a:r>
+            <a:r>
+              <a:rPr/>
+              <a:t> </a:t>
+            </a:r>
+            <a:r>
+              <a:rPr/>
+              <a:t>don’t</a:t>
+            </a:r>
+            <a:r>
+              <a:rPr/>
+              <a:t> </a:t>
+            </a:r>
+            <a:r>
+              <a:rPr/>
+              <a:t>worry.</a:t>
+            </a:r>
+            <a:r>
+              <a:rPr/>
+              <a:t> </a:t>
+            </a:r>
+            <a:r>
+              <a:rPr/>
+              <a:t>I</a:t>
+            </a:r>
+            <a:r>
+              <a:rPr/>
+              <a:t> </a:t>
+            </a:r>
+            <a:r>
+              <a:rPr/>
+              <a:t>just</a:t>
+            </a:r>
+            <a:r>
+              <a:rPr/>
+              <a:t> </a:t>
+            </a:r>
+            <a:r>
+              <a:rPr/>
+              <a:t>want</a:t>
+            </a:r>
+            <a:r>
+              <a:rPr/>
+              <a:t> </a:t>
+            </a:r>
+            <a:r>
+              <a:rPr/>
+              <a:t>to</a:t>
+            </a:r>
+            <a:r>
+              <a:rPr/>
+              <a:t> </a:t>
+            </a:r>
+            <a:r>
+              <a:rPr/>
+              <a:t>know</a:t>
+            </a:r>
+            <a:r>
+              <a:rPr/>
+              <a:t> </a:t>
+            </a:r>
+            <a:r>
+              <a:rPr/>
+              <a:t>at</a:t>
+            </a:r>
+            <a:r>
+              <a:rPr/>
+              <a:t> </a:t>
+            </a:r>
+            <a:r>
+              <a:rPr/>
+              <a:t>this</a:t>
+            </a:r>
+            <a:r>
+              <a:rPr/>
+              <a:t> </a:t>
+            </a:r>
+            <a:r>
+              <a:rPr/>
+              <a:t>point</a:t>
+            </a:r>
+            <a:r>
+              <a:rPr/>
+              <a:t> </a:t>
+            </a:r>
+            <a:r>
+              <a:rPr/>
+              <a:t>that</a:t>
+            </a:r>
+            <a:r>
+              <a:rPr/>
+              <a:t> </a:t>
+            </a:r>
+            <a:r>
+              <a:rPr/>
+              <a:t>you</a:t>
+            </a:r>
+            <a:r>
+              <a:rPr/>
+              <a:t> </a:t>
+            </a:r>
+            <a:r>
+              <a:rPr/>
+              <a:t>can</a:t>
+            </a:r>
+            <a:r>
+              <a:rPr/>
+              <a:t> </a:t>
+            </a:r>
+            <a:r>
+              <a:rPr/>
+              <a:t>produce</a:t>
+            </a:r>
+            <a:r>
+              <a:rPr/>
+              <a:t> </a:t>
+            </a:r>
+            <a:r>
+              <a:rPr/>
+              <a:t>any</a:t>
+            </a:r>
+            <a:r>
+              <a:rPr/>
+              <a:t> </a:t>
+            </a:r>
+            <a:r>
+              <a:rPr/>
+              <a:t>sort</a:t>
             </a:r>
             <a:r>
               <a:rPr/>
@@ -5691,39 +7023,15 @@
             </a:r>
             <a:r>
               <a:rPr/>
-              <a:t>R</a:t>
-            </a:r>
-            <a:r>
-              <a:rPr/>
-              <a:t> </a:t>
-            </a:r>
-            <a:r>
-              <a:rPr/>
-              <a:t>code</a:t>
-            </a:r>
-            <a:r>
-              <a:rPr/>
-              <a:t> </a:t>
-            </a:r>
-            <a:r>
-              <a:rPr/>
-              <a:t>that</a:t>
-            </a:r>
-            <a:r>
-              <a:rPr/>
-              <a:t> </a:t>
-            </a:r>
-            <a:r>
-              <a:rPr/>
-              <a:t>should</a:t>
-            </a:r>
-            <a:r>
-              <a:rPr/>
-              <a:t> </a:t>
-            </a:r>
-            <a:r>
-              <a:rPr/>
-              <a:t>work.</a:t>
+              <a:t>reasonable</a:t>
+            </a:r>
+            <a:r>
+              <a:rPr/>
+              <a:t> </a:t>
+            </a:r>
+            <a:r>
+              <a:rPr/>
+              <a:t>graph.</a:t>
             </a:r>
           </a:p>
         </p:txBody>
@@ -5745,7 +7053,7 @@
           <a:p>
             <a:fld id="{18BDFEC3-8487-43E8-A154-7C12CBC1FFF2}" type="slidenum">
               <a:rPr lang="en-US"/>
-              <a:t>7</a:t>
+              <a:t>6</a:t>
             </a:fld>
             <a:endParaRPr lang="en-US"/>
           </a:p>
@@ -5805,47 +7113,119 @@
             </a:pPr>
             <a:r>
               <a:rPr/>
-              <a:t>Before</a:t>
-            </a:r>
-            <a:r>
-              <a:rPr/>
-              <a:t> </a:t>
-            </a:r>
-            <a:r>
-              <a:rPr/>
-              <a:t>you</a:t>
-            </a:r>
-            <a:r>
-              <a:rPr/>
-              <a:t> </a:t>
-            </a:r>
-            <a:r>
-              <a:rPr/>
-              <a:t>start</a:t>
-            </a:r>
-            <a:r>
-              <a:rPr/>
-              <a:t> </a:t>
-            </a:r>
-            <a:r>
-              <a:rPr/>
-              <a:t>with</a:t>
-            </a:r>
-            <a:r>
-              <a:rPr/>
-              <a:t> </a:t>
-            </a:r>
-            <a:r>
-              <a:rPr/>
-              <a:t>Tableau,</a:t>
-            </a:r>
-            <a:r>
-              <a:rPr/>
-              <a:t> </a:t>
-            </a:r>
-            <a:r>
-              <a:rPr/>
-              <a:t>download</a:t>
+              <a:t>Here’s</a:t>
+            </a:r>
+            <a:r>
+              <a:rPr/>
+              <a:t> </a:t>
+            </a:r>
+            <a:r>
+              <a:rPr/>
+              <a:t>a</a:t>
+            </a:r>
+            <a:r>
+              <a:rPr/>
+              <a:t> </a:t>
+            </a:r>
+            <a:r>
+              <a:rPr/>
+              <a:t>brief</a:t>
+            </a:r>
+            <a:r>
+              <a:rPr/>
+              <a:t> </a:t>
+            </a:r>
+            <a:r>
+              <a:rPr/>
+              <a:t>bit</a:t>
+            </a:r>
+            <a:r>
+              <a:rPr/>
+              <a:t> </a:t>
+            </a:r>
+            <a:r>
+              <a:rPr/>
+              <a:t>of</a:t>
+            </a:r>
+            <a:r>
+              <a:rPr/>
+              <a:t> </a:t>
+            </a:r>
+            <a:r>
+              <a:rPr/>
+              <a:t>R</a:t>
+            </a:r>
+            <a:r>
+              <a:rPr/>
+              <a:t> </a:t>
+            </a:r>
+            <a:r>
+              <a:rPr/>
+              <a:t>code</a:t>
+            </a:r>
+            <a:r>
+              <a:rPr/>
+              <a:t> </a:t>
+            </a:r>
+            <a:r>
+              <a:rPr/>
+              <a:t>that</a:t>
+            </a:r>
+            <a:r>
+              <a:rPr/>
+              <a:t> </a:t>
+            </a:r>
+            <a:r>
+              <a:rPr/>
+              <a:t>should</a:t>
+            </a:r>
+            <a:r>
+              <a:rPr/>
+              <a:t> </a:t>
+            </a:r>
+            <a:r>
+              <a:rPr/>
+              <a:t>work.</a:t>
+            </a:r>
+            <a:r>
+              <a:rPr/>
+              <a:t> </a:t>
+            </a:r>
+            <a:r>
+              <a:rPr/>
+              <a:t>You</a:t>
+            </a:r>
+            <a:r>
+              <a:rPr/>
+              <a:t> </a:t>
+            </a:r>
+            <a:r>
+              <a:rPr/>
+              <a:t>may</a:t>
+            </a:r>
+            <a:r>
+              <a:rPr/>
+              <a:t> </a:t>
+            </a:r>
+            <a:r>
+              <a:rPr/>
+              <a:t>need</a:t>
+            </a:r>
+            <a:r>
+              <a:rPr/>
+              <a:t> </a:t>
+            </a:r>
+            <a:r>
+              <a:rPr/>
+              <a:t>to</a:t>
+            </a:r>
+            <a:r>
+              <a:rPr/>
+              <a:t> </a:t>
+            </a:r>
+            <a:r>
+              <a:rPr/>
+              <a:t>adapt</a:t>
             </a:r>
             <a:r>
               <a:rPr/>
@@ -5861,189 +7241,71 @@
             </a:r>
             <a:r>
               <a:rPr/>
-              <a:t>Saratoga</a:t>
-            </a:r>
-            <a:r>
-              <a:rPr/>
-              <a:t> </a:t>
-            </a:r>
-            <a:r>
-              <a:rPr/>
-              <a:t>Housing</a:t>
-            </a:r>
-            <a:r>
-              <a:rPr/>
-              <a:t> </a:t>
-            </a:r>
-            <a:r>
-              <a:rPr/>
-              <a:t>Prices</a:t>
-            </a:r>
-            <a:r>
-              <a:rPr/>
-              <a:t> </a:t>
-            </a:r>
-            <a:r>
-              <a:rPr/>
-              <a:t>file</a:t>
-            </a:r>
-            <a:r>
-              <a:rPr/>
-              <a:t> </a:t>
-            </a:r>
-            <a:r>
-              <a:rPr/>
-              <a:t>to</a:t>
-            </a:r>
-            <a:r>
-              <a:rPr/>
-              <a:t> </a:t>
-            </a:r>
-            <a:r>
-              <a:rPr/>
-              <a:t>your</a:t>
-            </a:r>
-            <a:r>
-              <a:rPr/>
-              <a:t> </a:t>
-            </a:r>
-            <a:r>
-              <a:rPr/>
-              <a:t>local</a:t>
-            </a:r>
-            <a:r>
-              <a:rPr/>
-              <a:t> </a:t>
-            </a:r>
-            <a:r>
-              <a:rPr/>
-              <a:t>computer.</a:t>
-            </a:r>
-          </a:p>
-          <a:p>
-            <a:pPr lvl="0" marL="0" indent="0">
-              <a:buNone/>
-            </a:pPr>
-          </a:p>
-          <a:p>
-            <a:pPr lvl="0" marL="0" indent="0">
-              <a:buNone/>
-            </a:pPr>
-            <a:r>
-              <a:rPr/>
-              <a:t>Tableau</a:t>
-            </a:r>
-            <a:r>
-              <a:rPr/>
-              <a:t> </a:t>
-            </a:r>
-            <a:r>
-              <a:rPr/>
-              <a:t>uses</a:t>
-            </a:r>
-            <a:r>
-              <a:rPr/>
-              <a:t> </a:t>
-            </a:r>
-            <a:r>
-              <a:rPr/>
-              <a:t>a</a:t>
-            </a:r>
-            <a:r>
-              <a:rPr/>
-              <a:t> </a:t>
-            </a:r>
-            <a:r>
-              <a:rPr/>
-              <a:t>graphical</a:t>
-            </a:r>
-            <a:r>
-              <a:rPr/>
-              <a:t> </a:t>
-            </a:r>
-            <a:r>
-              <a:rPr/>
-              <a:t>user</a:t>
-            </a:r>
-            <a:r>
-              <a:rPr/>
-              <a:t> </a:t>
-            </a:r>
-            <a:r>
-              <a:rPr/>
-              <a:t>interface,</a:t>
-            </a:r>
-            <a:r>
-              <a:rPr/>
-              <a:t> </a:t>
-            </a:r>
-            <a:r>
-              <a:rPr/>
-              <a:t>so</a:t>
-            </a:r>
-            <a:r>
-              <a:rPr/>
-              <a:t> </a:t>
-            </a:r>
-            <a:r>
-              <a:rPr/>
-              <a:t>there</a:t>
-            </a:r>
-            <a:r>
-              <a:rPr/>
-              <a:t> </a:t>
-            </a:r>
-            <a:r>
-              <a:rPr/>
-              <a:t>is</a:t>
-            </a:r>
-            <a:r>
-              <a:rPr/>
-              <a:t> </a:t>
-            </a:r>
-            <a:r>
-              <a:rPr/>
-              <a:t>no</a:t>
-            </a:r>
-            <a:r>
-              <a:rPr/>
-              <a:t> </a:t>
-            </a:r>
-            <a:r>
-              <a:rPr/>
-              <a:t>“</a:t>
-            </a:r>
-            <a:r>
-              <a:rPr/>
-              <a:t>program</a:t>
-            </a:r>
-            <a:r>
-              <a:rPr/>
-              <a:t>”</a:t>
-            </a:r>
-            <a:r>
-              <a:rPr/>
-              <a:t> </a:t>
-            </a:r>
-            <a:r>
-              <a:rPr/>
-              <a:t>to</a:t>
-            </a:r>
-            <a:r>
-              <a:rPr/>
-              <a:t> </a:t>
-            </a:r>
-            <a:r>
-              <a:rPr/>
-              <a:t>run.</a:t>
-            </a:r>
-            <a:r>
-              <a:rPr/>
-              <a:t> </a:t>
-            </a:r>
-            <a:r>
-              <a:rPr/>
-              <a:t>Here</a:t>
+              <a:t>names</a:t>
+            </a:r>
+            <a:r>
+              <a:rPr/>
+              <a:t> </a:t>
+            </a:r>
+            <a:r>
+              <a:rPr/>
+              <a:t>of</a:t>
+            </a:r>
+            <a:r>
+              <a:rPr/>
+              <a:t> </a:t>
+            </a:r>
+            <a:r>
+              <a:rPr/>
+              <a:t>the</a:t>
+            </a:r>
+            <a:r>
+              <a:rPr/>
+              <a:t> </a:t>
+            </a:r>
+            <a:r>
+              <a:rPr/>
+              <a:t>files</a:t>
+            </a:r>
+            <a:r>
+              <a:rPr/>
+              <a:t> </a:t>
+            </a:r>
+            <a:r>
+              <a:rPr/>
+              <a:t>or</a:t>
+            </a:r>
+            <a:r>
+              <a:rPr/>
+              <a:t> </a:t>
+            </a:r>
+            <a:r>
+              <a:rPr/>
+              <a:t>the</a:t>
+            </a:r>
+            <a:r>
+              <a:rPr/>
+              <a:t> </a:t>
+            </a:r>
+            <a:r>
+              <a:rPr/>
+              <a:t>directories</a:t>
+            </a:r>
+            <a:r>
+              <a:rPr/>
+              <a:t> </a:t>
+            </a:r>
+            <a:r>
+              <a:rPr/>
+              <a:t>where</a:t>
+            </a:r>
+            <a:r>
+              <a:rPr/>
+              <a:t> </a:t>
+            </a:r>
+            <a:r>
+              <a:rPr/>
+              <a:t>they</a:t>
             </a:r>
             <a:r>
               <a:rPr/>
@@ -6059,451 +7321,7 @@
             </a:r>
             <a:r>
               <a:rPr/>
-              <a:t>the</a:t>
-            </a:r>
-            <a:r>
-              <a:rPr/>
-              <a:t> </a:t>
-            </a:r>
-            <a:r>
-              <a:rPr/>
-              <a:t>steps</a:t>
-            </a:r>
-            <a:r>
-              <a:rPr/>
-              <a:t> </a:t>
-            </a:r>
-            <a:r>
-              <a:rPr/>
-              <a:t>you</a:t>
-            </a:r>
-            <a:r>
-              <a:rPr/>
-              <a:t> </a:t>
-            </a:r>
-            <a:r>
-              <a:rPr/>
-              <a:t>need</a:t>
-            </a:r>
-            <a:r>
-              <a:rPr/>
-              <a:t> </a:t>
-            </a:r>
-            <a:r>
-              <a:rPr/>
-              <a:t>to</a:t>
-            </a:r>
-            <a:r>
-              <a:rPr/>
-              <a:t> </a:t>
-            </a:r>
-            <a:r>
-              <a:rPr/>
-              <a:t>take</a:t>
-            </a:r>
-            <a:r>
-              <a:rPr/>
-              <a:t> </a:t>
-            </a:r>
-            <a:r>
-              <a:rPr/>
-              <a:t>to</a:t>
-            </a:r>
-            <a:r>
-              <a:rPr/>
-              <a:t> </a:t>
-            </a:r>
-            <a:r>
-              <a:rPr/>
-              <a:t>get</a:t>
-            </a:r>
-            <a:r>
-              <a:rPr/>
-              <a:t> </a:t>
-            </a:r>
-            <a:r>
-              <a:rPr/>
-              <a:t>the</a:t>
-            </a:r>
-            <a:r>
-              <a:rPr/>
-              <a:t> </a:t>
-            </a:r>
-            <a:r>
-              <a:rPr/>
-              <a:t>data</a:t>
-            </a:r>
-            <a:r>
-              <a:rPr/>
-              <a:t> </a:t>
-            </a:r>
-            <a:r>
-              <a:rPr/>
-              <a:t>in</a:t>
-            </a:r>
-            <a:r>
-              <a:rPr/>
-              <a:t> </a:t>
-            </a:r>
-            <a:r>
-              <a:rPr/>
-              <a:t>and</a:t>
-            </a:r>
-            <a:r>
-              <a:rPr/>
-              <a:t> </a:t>
-            </a:r>
-            <a:r>
-              <a:rPr/>
-              <a:t>produce</a:t>
-            </a:r>
-            <a:r>
-              <a:rPr/>
-              <a:t> </a:t>
-            </a:r>
-            <a:r>
-              <a:rPr/>
-              <a:t>a</a:t>
-            </a:r>
-            <a:r>
-              <a:rPr/>
-              <a:t> </a:t>
-            </a:r>
-            <a:r>
-              <a:rPr/>
-              <a:t>simple</a:t>
-            </a:r>
-            <a:r>
-              <a:rPr/>
-              <a:t> </a:t>
-            </a:r>
-            <a:r>
-              <a:rPr/>
-              <a:t>scatterplot.</a:t>
-            </a:r>
-          </a:p>
-          <a:p>
-            <a:pPr lvl="0" marL="0" indent="0">
-              <a:buNone/>
-            </a:pPr>
-          </a:p>
-          <a:p>
-            <a:pPr lvl="0" marL="0" indent="0">
-              <a:buNone/>
-            </a:pPr>
-            <a:r>
-              <a:rPr/>
-              <a:t>This</a:t>
-            </a:r>
-            <a:r>
-              <a:rPr/>
-              <a:t> </a:t>
-            </a:r>
-            <a:r>
-              <a:rPr/>
-              <a:t>is</a:t>
-            </a:r>
-            <a:r>
-              <a:rPr/>
-              <a:t> </a:t>
-            </a:r>
-            <a:r>
-              <a:rPr/>
-              <a:t>what</a:t>
-            </a:r>
-            <a:r>
-              <a:rPr/>
-              <a:t> </a:t>
-            </a:r>
-            <a:r>
-              <a:rPr/>
-              <a:t>Tableau</a:t>
-            </a:r>
-            <a:r>
-              <a:rPr/>
-              <a:t> </a:t>
-            </a:r>
-            <a:r>
-              <a:rPr/>
-              <a:t>looks</a:t>
-            </a:r>
-            <a:r>
-              <a:rPr/>
-              <a:t> </a:t>
-            </a:r>
-            <a:r>
-              <a:rPr/>
-              <a:t>like</a:t>
-            </a:r>
-            <a:r>
-              <a:rPr/>
-              <a:t> </a:t>
-            </a:r>
-            <a:r>
-              <a:rPr/>
-              <a:t>when</a:t>
-            </a:r>
-            <a:r>
-              <a:rPr/>
-              <a:t> </a:t>
-            </a:r>
-            <a:r>
-              <a:rPr/>
-              <a:t>you</a:t>
-            </a:r>
-            <a:r>
-              <a:rPr/>
-              <a:t> </a:t>
-            </a:r>
-            <a:r>
-              <a:rPr/>
-              <a:t>open</a:t>
-            </a:r>
-            <a:r>
-              <a:rPr/>
-              <a:t> </a:t>
-            </a:r>
-            <a:r>
-              <a:rPr/>
-              <a:t>it</a:t>
-            </a:r>
-            <a:r>
-              <a:rPr/>
-              <a:t> </a:t>
-            </a:r>
-            <a:r>
-              <a:rPr/>
-              <a:t>up.</a:t>
-            </a:r>
-            <a:r>
-              <a:rPr/>
-              <a:t> </a:t>
-            </a:r>
-            <a:r>
-              <a:rPr/>
-              <a:t>It</a:t>
-            </a:r>
-            <a:r>
-              <a:rPr/>
-              <a:t> </a:t>
-            </a:r>
-            <a:r>
-              <a:rPr/>
-              <a:t>may</a:t>
-            </a:r>
-            <a:r>
-              <a:rPr/>
-              <a:t> </a:t>
-            </a:r>
-            <a:r>
-              <a:rPr/>
-              <a:t>appear</a:t>
-            </a:r>
-            <a:r>
-              <a:rPr/>
-              <a:t> </a:t>
-            </a:r>
-            <a:r>
-              <a:rPr/>
-              <a:t>slightly</a:t>
-            </a:r>
-            <a:r>
-              <a:rPr/>
-              <a:t> </a:t>
-            </a:r>
-            <a:r>
-              <a:rPr/>
-              <a:t>differently</a:t>
-            </a:r>
-            <a:r>
-              <a:rPr/>
-              <a:t> </a:t>
-            </a:r>
-            <a:r>
-              <a:rPr/>
-              <a:t>on</a:t>
-            </a:r>
-            <a:r>
-              <a:rPr/>
-              <a:t> </a:t>
-            </a:r>
-            <a:r>
-              <a:rPr/>
-              <a:t>your</a:t>
-            </a:r>
-            <a:r>
-              <a:rPr/>
-              <a:t> </a:t>
-            </a:r>
-            <a:r>
-              <a:rPr/>
-              <a:t>computer</a:t>
-            </a:r>
-            <a:r>
-              <a:rPr/>
-              <a:t> </a:t>
-            </a:r>
-            <a:r>
-              <a:rPr/>
-              <a:t>system.</a:t>
-            </a:r>
-          </a:p>
-          <a:p>
-            <a:pPr lvl="0" marL="0" indent="0">
-              <a:buNone/>
-            </a:pPr>
-          </a:p>
-          <a:p>
-            <a:pPr lvl="0" marL="0" indent="0">
-              <a:buNone/>
-            </a:pPr>
-            <a:r>
-              <a:rPr/>
-              <a:t>Select</a:t>
-            </a:r>
-            <a:r>
-              <a:rPr/>
-              <a:t> </a:t>
-            </a:r>
-            <a:r>
-              <a:rPr/>
-              <a:t>“</a:t>
-            </a:r>
-            <a:r>
-              <a:rPr/>
-              <a:t>Text</a:t>
-            </a:r>
-            <a:r>
-              <a:rPr/>
-              <a:t> </a:t>
-            </a:r>
-            <a:r>
-              <a:rPr/>
-              <a:t>file</a:t>
-            </a:r>
-            <a:r>
-              <a:rPr/>
-              <a:t>”</a:t>
-            </a:r>
-            <a:r>
-              <a:rPr/>
-              <a:t> </a:t>
-            </a:r>
-            <a:r>
-              <a:rPr/>
-              <a:t>from</a:t>
-            </a:r>
-            <a:r>
-              <a:rPr/>
-              <a:t> </a:t>
-            </a:r>
-            <a:r>
-              <a:rPr/>
-              <a:t>the</a:t>
-            </a:r>
-            <a:r>
-              <a:rPr/>
-              <a:t> </a:t>
-            </a:r>
-            <a:r>
-              <a:rPr/>
-              <a:t>left</a:t>
-            </a:r>
-            <a:r>
-              <a:rPr/>
-              <a:t> </a:t>
-            </a:r>
-            <a:r>
-              <a:rPr/>
-              <a:t>side</a:t>
-            </a:r>
-            <a:r>
-              <a:rPr/>
-              <a:t> </a:t>
-            </a:r>
-            <a:r>
-              <a:rPr/>
-              <a:t>menu</a:t>
-            </a:r>
-            <a:r>
-              <a:rPr/>
-              <a:t> </a:t>
-            </a:r>
-            <a:r>
-              <a:rPr/>
-              <a:t>bar</a:t>
-            </a:r>
-            <a:r>
-              <a:rPr/>
-              <a:t> </a:t>
-            </a:r>
-            <a:r>
-              <a:rPr/>
-              <a:t>or</a:t>
-            </a:r>
-            <a:r>
-              <a:rPr/>
-              <a:t> </a:t>
-            </a:r>
-            <a:r>
-              <a:rPr/>
-              <a:t>“</a:t>
-            </a:r>
-            <a:r>
-              <a:rPr/>
-              <a:t>File</a:t>
-            </a:r>
-            <a:r>
-              <a:rPr/>
-              <a:t> </a:t>
-            </a:r>
-            <a:r>
-              <a:rPr/>
-              <a:t>|</a:t>
-            </a:r>
-            <a:r>
-              <a:rPr/>
-              <a:t> </a:t>
-            </a:r>
-            <a:r>
-              <a:rPr/>
-              <a:t>Open</a:t>
-            </a:r>
-            <a:r>
-              <a:rPr/>
-              <a:t>”</a:t>
-            </a:r>
-            <a:r>
-              <a:rPr/>
-              <a:t> </a:t>
-            </a:r>
-            <a:r>
-              <a:rPr/>
-              <a:t>from</a:t>
-            </a:r>
-            <a:r>
-              <a:rPr/>
-              <a:t> </a:t>
-            </a:r>
-            <a:r>
-              <a:rPr/>
-              <a:t>the</a:t>
-            </a:r>
-            <a:r>
-              <a:rPr/>
-              <a:t> </a:t>
-            </a:r>
-            <a:r>
-              <a:rPr/>
-              <a:t>main</a:t>
-            </a:r>
-            <a:r>
-              <a:rPr/>
-              <a:t> </a:t>
-            </a:r>
-            <a:r>
-              <a:rPr/>
-              <a:t>menu.</a:t>
+              <a:t>stored.</a:t>
             </a:r>
           </a:p>
         </p:txBody>
@@ -6525,7 +7343,7 @@
           <a:p>
             <a:fld id="{18BDFEC3-8487-43E8-A154-7C12CBC1FFF2}" type="slidenum">
               <a:rPr lang="en-US"/>
-              <a:t>9</a:t>
+              <a:t>7</a:t>
             </a:fld>
             <a:endParaRPr lang="en-US"/>
           </a:p>
@@ -6585,39 +7403,111 @@
             </a:pPr>
             <a:r>
               <a:rPr/>
-              <a:t>Find</a:t>
-            </a:r>
-            <a:r>
-              <a:rPr/>
-              <a:t> </a:t>
-            </a:r>
-            <a:r>
-              <a:rPr/>
-              <a:t>the</a:t>
-            </a:r>
-            <a:r>
-              <a:rPr/>
-              <a:t> </a:t>
-            </a:r>
-            <a:r>
-              <a:rPr/>
-              <a:t>proper</a:t>
-            </a:r>
-            <a:r>
-              <a:rPr/>
-              <a:t> </a:t>
-            </a:r>
-            <a:r>
-              <a:rPr/>
-              <a:t>location</a:t>
-            </a:r>
-            <a:r>
-              <a:rPr/>
-              <a:t> </a:t>
-            </a:r>
-            <a:r>
-              <a:rPr/>
-              <a:t>on</a:t>
+              <a:t>Again,</a:t>
+            </a:r>
+            <a:r>
+              <a:rPr/>
+              <a:t> </a:t>
+            </a:r>
+            <a:r>
+              <a:rPr/>
+              <a:t>see</a:t>
+            </a:r>
+            <a:r>
+              <a:rPr/>
+              <a:t> </a:t>
+            </a:r>
+            <a:r>
+              <a:rPr/>
+              <a:t>if</a:t>
+            </a:r>
+            <a:r>
+              <a:rPr/>
+              <a:t> </a:t>
+            </a:r>
+            <a:r>
+              <a:rPr/>
+              <a:t>you</a:t>
+            </a:r>
+            <a:r>
+              <a:rPr/>
+              <a:t> </a:t>
+            </a:r>
+            <a:r>
+              <a:rPr/>
+              <a:t>can</a:t>
+            </a:r>
+            <a:r>
+              <a:rPr/>
+              <a:t> </a:t>
+            </a:r>
+            <a:r>
+              <a:rPr/>
+              <a:t>get</a:t>
+            </a:r>
+            <a:r>
+              <a:rPr/>
+              <a:t> </a:t>
+            </a:r>
+            <a:r>
+              <a:rPr/>
+              <a:t>a</a:t>
+            </a:r>
+            <a:r>
+              <a:rPr/>
+              <a:t> </a:t>
+            </a:r>
+            <a:r>
+              <a:rPr/>
+              <a:t>graph</a:t>
+            </a:r>
+            <a:r>
+              <a:rPr/>
+              <a:t> </a:t>
+            </a:r>
+            <a:r>
+              <a:rPr/>
+              <a:t>that</a:t>
+            </a:r>
+            <a:r>
+              <a:rPr/>
+              <a:t> </a:t>
+            </a:r>
+            <a:r>
+              <a:rPr/>
+              <a:t>looks</a:t>
+            </a:r>
+            <a:r>
+              <a:rPr/>
+              <a:t> </a:t>
+            </a:r>
+            <a:r>
+              <a:rPr/>
+              <a:t>something</a:t>
+            </a:r>
+            <a:r>
+              <a:rPr/>
+              <a:t> </a:t>
+            </a:r>
+            <a:r>
+              <a:rPr/>
+              <a:t>like</a:t>
+            </a:r>
+            <a:r>
+              <a:rPr/>
+              <a:t> </a:t>
+            </a:r>
+            <a:r>
+              <a:rPr/>
+              <a:t>this.</a:t>
+            </a:r>
+            <a:r>
+              <a:rPr/>
+              <a:t> </a:t>
+            </a:r>
+            <a:r>
+              <a:rPr/>
+              <a:t>If</a:t>
             </a:r>
             <a:r>
               <a:rPr/>
@@ -6633,15 +7523,135 @@
             </a:r>
             <a:r>
               <a:rPr/>
-              <a:t>computer</a:t>
-            </a:r>
-            <a:r>
-              <a:rPr/>
-              <a:t> </a:t>
-            </a:r>
-            <a:r>
-              <a:rPr/>
-              <a:t>where</a:t>
+              <a:t>graph</a:t>
+            </a:r>
+            <a:r>
+              <a:rPr/>
+              <a:t> </a:t>
+            </a:r>
+            <a:r>
+              <a:rPr/>
+              <a:t>uses</a:t>
+            </a:r>
+            <a:r>
+              <a:rPr/>
+              <a:t> </a:t>
+            </a:r>
+            <a:r>
+              <a:rPr/>
+              <a:t>different</a:t>
+            </a:r>
+            <a:r>
+              <a:rPr/>
+              <a:t> </a:t>
+            </a:r>
+            <a:r>
+              <a:rPr/>
+              <a:t>colors,</a:t>
+            </a:r>
+            <a:r>
+              <a:rPr/>
+              <a:t> </a:t>
+            </a:r>
+            <a:r>
+              <a:rPr/>
+              <a:t>scaling,</a:t>
+            </a:r>
+            <a:r>
+              <a:rPr/>
+              <a:t> </a:t>
+            </a:r>
+            <a:r>
+              <a:rPr/>
+              <a:t>etc.</a:t>
+            </a:r>
+            <a:r>
+              <a:rPr/>
+              <a:t> </a:t>
+            </a:r>
+            <a:r>
+              <a:rPr/>
+              <a:t>don’t</a:t>
+            </a:r>
+            <a:r>
+              <a:rPr/>
+              <a:t> </a:t>
+            </a:r>
+            <a:r>
+              <a:rPr/>
+              <a:t>worry.</a:t>
+            </a:r>
+            <a:r>
+              <a:rPr/>
+              <a:t> </a:t>
+            </a:r>
+            <a:r>
+              <a:rPr/>
+              <a:t>I</a:t>
+            </a:r>
+            <a:r>
+              <a:rPr/>
+              <a:t> </a:t>
+            </a:r>
+            <a:r>
+              <a:rPr/>
+              <a:t>just</a:t>
+            </a:r>
+            <a:r>
+              <a:rPr/>
+              <a:t> </a:t>
+            </a:r>
+            <a:r>
+              <a:rPr/>
+              <a:t>want</a:t>
+            </a:r>
+            <a:r>
+              <a:rPr/>
+              <a:t> </a:t>
+            </a:r>
+            <a:r>
+              <a:rPr/>
+              <a:t>to</a:t>
+            </a:r>
+            <a:r>
+              <a:rPr/>
+              <a:t> </a:t>
+            </a:r>
+            <a:r>
+              <a:rPr/>
+              <a:t>know</a:t>
+            </a:r>
+            <a:r>
+              <a:rPr/>
+              <a:t> </a:t>
+            </a:r>
+            <a:r>
+              <a:rPr/>
+              <a:t>at</a:t>
+            </a:r>
+            <a:r>
+              <a:rPr/>
+              <a:t> </a:t>
+            </a:r>
+            <a:r>
+              <a:rPr/>
+              <a:t>this</a:t>
+            </a:r>
+            <a:r>
+              <a:rPr/>
+              <a:t> </a:t>
+            </a:r>
+            <a:r>
+              <a:rPr/>
+              <a:t>point</a:t>
+            </a:r>
+            <a:r>
+              <a:rPr/>
+              <a:t> </a:t>
+            </a:r>
+            <a:r>
+              <a:rPr/>
+              <a:t>that</a:t>
             </a:r>
             <a:r>
               <a:rPr/>
@@ -6657,55 +7667,55 @@
             </a:r>
             <a:r>
               <a:rPr/>
-              <a:t>stored</a:t>
-            </a:r>
-            <a:r>
-              <a:rPr/>
-              <a:t> </a:t>
-            </a:r>
-            <a:r>
-              <a:rPr/>
-              <a:t>the</a:t>
-            </a:r>
-            <a:r>
-              <a:rPr/>
-              <a:t> </a:t>
-            </a:r>
-            <a:r>
-              <a:rPr/>
-              <a:t>downloaded</a:t>
-            </a:r>
-            <a:r>
-              <a:rPr/>
-              <a:t> </a:t>
-            </a:r>
-            <a:r>
-              <a:rPr/>
-              <a:t>file</a:t>
-            </a:r>
-            <a:r>
-              <a:rPr/>
-              <a:t> </a:t>
-            </a:r>
-            <a:r>
-              <a:rPr/>
-              <a:t>and</a:t>
-            </a:r>
-            <a:r>
-              <a:rPr/>
-              <a:t> </a:t>
-            </a:r>
-            <a:r>
-              <a:rPr/>
-              <a:t>open</a:t>
-            </a:r>
-            <a:r>
-              <a:rPr/>
-              <a:t> </a:t>
-            </a:r>
-            <a:r>
-              <a:rPr/>
-              <a:t>it.</a:t>
+              <a:t>can</a:t>
+            </a:r>
+            <a:r>
+              <a:rPr/>
+              <a:t> </a:t>
+            </a:r>
+            <a:r>
+              <a:rPr/>
+              <a:t>produce</a:t>
+            </a:r>
+            <a:r>
+              <a:rPr/>
+              <a:t> </a:t>
+            </a:r>
+            <a:r>
+              <a:rPr/>
+              <a:t>any</a:t>
+            </a:r>
+            <a:r>
+              <a:rPr/>
+              <a:t> </a:t>
+            </a:r>
+            <a:r>
+              <a:rPr/>
+              <a:t>sort</a:t>
+            </a:r>
+            <a:r>
+              <a:rPr/>
+              <a:t> </a:t>
+            </a:r>
+            <a:r>
+              <a:rPr/>
+              <a:t>of</a:t>
+            </a:r>
+            <a:r>
+              <a:rPr/>
+              <a:t> </a:t>
+            </a:r>
+            <a:r>
+              <a:rPr/>
+              <a:t>reasonable</a:t>
+            </a:r>
+            <a:r>
+              <a:rPr/>
+              <a:t> </a:t>
+            </a:r>
+            <a:r>
+              <a:rPr/>
+              <a:t>graph.</a:t>
             </a:r>
           </a:p>
         </p:txBody>
@@ -6727,7 +7737,7 @@
           <a:p>
             <a:fld id="{18BDFEC3-8487-43E8-A154-7C12CBC1FFF2}" type="slidenum">
               <a:rPr lang="en-US"/>
-              <a:t>10</a:t>
+              <a:t>8</a:t>
             </a:fld>
             <a:endParaRPr lang="en-US"/>
           </a:p>
@@ -6787,39 +7797,427 @@
             </a:pPr>
             <a:r>
               <a:rPr/>
-              <a:t>Your</a:t>
-            </a:r>
-            <a:r>
-              <a:rPr/>
-              <a:t> </a:t>
-            </a:r>
-            <a:r>
-              <a:rPr/>
-              <a:t>screen</a:t>
-            </a:r>
-            <a:r>
-              <a:rPr/>
-              <a:t> </a:t>
-            </a:r>
-            <a:r>
-              <a:rPr/>
-              <a:t>should</a:t>
-            </a:r>
-            <a:r>
-              <a:rPr/>
-              <a:t> </a:t>
-            </a:r>
-            <a:r>
-              <a:rPr/>
-              <a:t>look</a:t>
-            </a:r>
-            <a:r>
-              <a:rPr/>
-              <a:t> </a:t>
-            </a:r>
-            <a:r>
-              <a:rPr/>
-              <a:t>something</a:t>
+              <a:t>Before</a:t>
+            </a:r>
+            <a:r>
+              <a:rPr/>
+              <a:t> </a:t>
+            </a:r>
+            <a:r>
+              <a:rPr/>
+              <a:t>you</a:t>
+            </a:r>
+            <a:r>
+              <a:rPr/>
+              <a:t> </a:t>
+            </a:r>
+            <a:r>
+              <a:rPr/>
+              <a:t>start</a:t>
+            </a:r>
+            <a:r>
+              <a:rPr/>
+              <a:t> </a:t>
+            </a:r>
+            <a:r>
+              <a:rPr/>
+              <a:t>with</a:t>
+            </a:r>
+            <a:r>
+              <a:rPr/>
+              <a:t> </a:t>
+            </a:r>
+            <a:r>
+              <a:rPr/>
+              <a:t>Tableau,</a:t>
+            </a:r>
+            <a:r>
+              <a:rPr/>
+              <a:t> </a:t>
+            </a:r>
+            <a:r>
+              <a:rPr/>
+              <a:t>download</a:t>
+            </a:r>
+            <a:r>
+              <a:rPr/>
+              <a:t> </a:t>
+            </a:r>
+            <a:r>
+              <a:rPr/>
+              <a:t>the</a:t>
+            </a:r>
+            <a:r>
+              <a:rPr/>
+              <a:t> </a:t>
+            </a:r>
+            <a:r>
+              <a:rPr/>
+              <a:t>Saratoga</a:t>
+            </a:r>
+            <a:r>
+              <a:rPr/>
+              <a:t> </a:t>
+            </a:r>
+            <a:r>
+              <a:rPr/>
+              <a:t>Housing</a:t>
+            </a:r>
+            <a:r>
+              <a:rPr/>
+              <a:t> </a:t>
+            </a:r>
+            <a:r>
+              <a:rPr/>
+              <a:t>Prices</a:t>
+            </a:r>
+            <a:r>
+              <a:rPr/>
+              <a:t> </a:t>
+            </a:r>
+            <a:r>
+              <a:rPr/>
+              <a:t>file</a:t>
+            </a:r>
+            <a:r>
+              <a:rPr/>
+              <a:t> </a:t>
+            </a:r>
+            <a:r>
+              <a:rPr/>
+              <a:t>to</a:t>
+            </a:r>
+            <a:r>
+              <a:rPr/>
+              <a:t> </a:t>
+            </a:r>
+            <a:r>
+              <a:rPr/>
+              <a:t>your</a:t>
+            </a:r>
+            <a:r>
+              <a:rPr/>
+              <a:t> </a:t>
+            </a:r>
+            <a:r>
+              <a:rPr/>
+              <a:t>local</a:t>
+            </a:r>
+            <a:r>
+              <a:rPr/>
+              <a:t> </a:t>
+            </a:r>
+            <a:r>
+              <a:rPr/>
+              <a:t>computer.</a:t>
+            </a:r>
+          </a:p>
+          <a:p>
+            <a:pPr lvl="0" marL="0" indent="0">
+              <a:buNone/>
+            </a:pPr>
+          </a:p>
+          <a:p>
+            <a:pPr lvl="0" marL="0" indent="0">
+              <a:buNone/>
+            </a:pPr>
+            <a:r>
+              <a:rPr/>
+              <a:t>Tableau</a:t>
+            </a:r>
+            <a:r>
+              <a:rPr/>
+              <a:t> </a:t>
+            </a:r>
+            <a:r>
+              <a:rPr/>
+              <a:t>uses</a:t>
+            </a:r>
+            <a:r>
+              <a:rPr/>
+              <a:t> </a:t>
+            </a:r>
+            <a:r>
+              <a:rPr/>
+              <a:t>a</a:t>
+            </a:r>
+            <a:r>
+              <a:rPr/>
+              <a:t> </a:t>
+            </a:r>
+            <a:r>
+              <a:rPr/>
+              <a:t>graphical</a:t>
+            </a:r>
+            <a:r>
+              <a:rPr/>
+              <a:t> </a:t>
+            </a:r>
+            <a:r>
+              <a:rPr/>
+              <a:t>user</a:t>
+            </a:r>
+            <a:r>
+              <a:rPr/>
+              <a:t> </a:t>
+            </a:r>
+            <a:r>
+              <a:rPr/>
+              <a:t>interface,</a:t>
+            </a:r>
+            <a:r>
+              <a:rPr/>
+              <a:t> </a:t>
+            </a:r>
+            <a:r>
+              <a:rPr/>
+              <a:t>so</a:t>
+            </a:r>
+            <a:r>
+              <a:rPr/>
+              <a:t> </a:t>
+            </a:r>
+            <a:r>
+              <a:rPr/>
+              <a:t>there</a:t>
+            </a:r>
+            <a:r>
+              <a:rPr/>
+              <a:t> </a:t>
+            </a:r>
+            <a:r>
+              <a:rPr/>
+              <a:t>is</a:t>
+            </a:r>
+            <a:r>
+              <a:rPr/>
+              <a:t> </a:t>
+            </a:r>
+            <a:r>
+              <a:rPr/>
+              <a:t>no</a:t>
+            </a:r>
+            <a:r>
+              <a:rPr/>
+              <a:t> </a:t>
+            </a:r>
+            <a:r>
+              <a:rPr/>
+              <a:t>“</a:t>
+            </a:r>
+            <a:r>
+              <a:rPr/>
+              <a:t>program</a:t>
+            </a:r>
+            <a:r>
+              <a:rPr/>
+              <a:t>”</a:t>
+            </a:r>
+            <a:r>
+              <a:rPr/>
+              <a:t> </a:t>
+            </a:r>
+            <a:r>
+              <a:rPr/>
+              <a:t>to</a:t>
+            </a:r>
+            <a:r>
+              <a:rPr/>
+              <a:t> </a:t>
+            </a:r>
+            <a:r>
+              <a:rPr/>
+              <a:t>run.</a:t>
+            </a:r>
+            <a:r>
+              <a:rPr/>
+              <a:t> </a:t>
+            </a:r>
+            <a:r>
+              <a:rPr/>
+              <a:t>Here</a:t>
+            </a:r>
+            <a:r>
+              <a:rPr/>
+              <a:t> </a:t>
+            </a:r>
+            <a:r>
+              <a:rPr/>
+              <a:t>are</a:t>
+            </a:r>
+            <a:r>
+              <a:rPr/>
+              <a:t> </a:t>
+            </a:r>
+            <a:r>
+              <a:rPr/>
+              <a:t>the</a:t>
+            </a:r>
+            <a:r>
+              <a:rPr/>
+              <a:t> </a:t>
+            </a:r>
+            <a:r>
+              <a:rPr/>
+              <a:t>steps</a:t>
+            </a:r>
+            <a:r>
+              <a:rPr/>
+              <a:t> </a:t>
+            </a:r>
+            <a:r>
+              <a:rPr/>
+              <a:t>you</a:t>
+            </a:r>
+            <a:r>
+              <a:rPr/>
+              <a:t> </a:t>
+            </a:r>
+            <a:r>
+              <a:rPr/>
+              <a:t>need</a:t>
+            </a:r>
+            <a:r>
+              <a:rPr/>
+              <a:t> </a:t>
+            </a:r>
+            <a:r>
+              <a:rPr/>
+              <a:t>to</a:t>
+            </a:r>
+            <a:r>
+              <a:rPr/>
+              <a:t> </a:t>
+            </a:r>
+            <a:r>
+              <a:rPr/>
+              <a:t>take</a:t>
+            </a:r>
+            <a:r>
+              <a:rPr/>
+              <a:t> </a:t>
+            </a:r>
+            <a:r>
+              <a:rPr/>
+              <a:t>to</a:t>
+            </a:r>
+            <a:r>
+              <a:rPr/>
+              <a:t> </a:t>
+            </a:r>
+            <a:r>
+              <a:rPr/>
+              <a:t>get</a:t>
+            </a:r>
+            <a:r>
+              <a:rPr/>
+              <a:t> </a:t>
+            </a:r>
+            <a:r>
+              <a:rPr/>
+              <a:t>the</a:t>
+            </a:r>
+            <a:r>
+              <a:rPr/>
+              <a:t> </a:t>
+            </a:r>
+            <a:r>
+              <a:rPr/>
+              <a:t>data</a:t>
+            </a:r>
+            <a:r>
+              <a:rPr/>
+              <a:t> </a:t>
+            </a:r>
+            <a:r>
+              <a:rPr/>
+              <a:t>in</a:t>
+            </a:r>
+            <a:r>
+              <a:rPr/>
+              <a:t> </a:t>
+            </a:r>
+            <a:r>
+              <a:rPr/>
+              <a:t>and</a:t>
+            </a:r>
+            <a:r>
+              <a:rPr/>
+              <a:t> </a:t>
+            </a:r>
+            <a:r>
+              <a:rPr/>
+              <a:t>produce</a:t>
+            </a:r>
+            <a:r>
+              <a:rPr/>
+              <a:t> </a:t>
+            </a:r>
+            <a:r>
+              <a:rPr/>
+              <a:t>a</a:t>
+            </a:r>
+            <a:r>
+              <a:rPr/>
+              <a:t> </a:t>
+            </a:r>
+            <a:r>
+              <a:rPr/>
+              <a:t>simple</a:t>
+            </a:r>
+            <a:r>
+              <a:rPr/>
+              <a:t> </a:t>
+            </a:r>
+            <a:r>
+              <a:rPr/>
+              <a:t>scatterplot.</a:t>
+            </a:r>
+          </a:p>
+          <a:p>
+            <a:pPr lvl="0" marL="0" indent="0">
+              <a:buNone/>
+            </a:pPr>
+          </a:p>
+          <a:p>
+            <a:pPr lvl="0" marL="0" indent="0">
+              <a:buNone/>
+            </a:pPr>
+            <a:r>
+              <a:rPr/>
+              <a:t>This</a:t>
+            </a:r>
+            <a:r>
+              <a:rPr/>
+              <a:t> </a:t>
+            </a:r>
+            <a:r>
+              <a:rPr/>
+              <a:t>is</a:t>
+            </a:r>
+            <a:r>
+              <a:rPr/>
+              <a:t> </a:t>
+            </a:r>
+            <a:r>
+              <a:rPr/>
+              <a:t>what</a:t>
+            </a:r>
+            <a:r>
+              <a:rPr/>
+              <a:t> </a:t>
+            </a:r>
+            <a:r>
+              <a:rPr/>
+              <a:t>Tableau</a:t>
+            </a:r>
+            <a:r>
+              <a:rPr/>
+              <a:t> </a:t>
+            </a:r>
+            <a:r>
+              <a:rPr/>
+              <a:t>looks</a:t>
             </a:r>
             <a:r>
               <a:rPr/>
@@ -6835,15 +8233,7 @@
             </a:r>
             <a:r>
               <a:rPr/>
-              <a:t>this</a:t>
-            </a:r>
-            <a:r>
-              <a:rPr/>
-              <a:t> </a:t>
-            </a:r>
-            <a:r>
-              <a:rPr/>
-              <a:t>if</a:t>
+              <a:t>when</a:t>
             </a:r>
             <a:r>
               <a:rPr/>
@@ -6859,7 +8249,141 @@
             </a:r>
             <a:r>
               <a:rPr/>
-              <a:t>imported</a:t>
+              <a:t>open</a:t>
+            </a:r>
+            <a:r>
+              <a:rPr/>
+              <a:t> </a:t>
+            </a:r>
+            <a:r>
+              <a:rPr/>
+              <a:t>it</a:t>
+            </a:r>
+            <a:r>
+              <a:rPr/>
+              <a:t> </a:t>
+            </a:r>
+            <a:r>
+              <a:rPr/>
+              <a:t>up.</a:t>
+            </a:r>
+            <a:r>
+              <a:rPr/>
+              <a:t> </a:t>
+            </a:r>
+            <a:r>
+              <a:rPr/>
+              <a:t>It</a:t>
+            </a:r>
+            <a:r>
+              <a:rPr/>
+              <a:t> </a:t>
+            </a:r>
+            <a:r>
+              <a:rPr/>
+              <a:t>may</a:t>
+            </a:r>
+            <a:r>
+              <a:rPr/>
+              <a:t> </a:t>
+            </a:r>
+            <a:r>
+              <a:rPr/>
+              <a:t>appear</a:t>
+            </a:r>
+            <a:r>
+              <a:rPr/>
+              <a:t> </a:t>
+            </a:r>
+            <a:r>
+              <a:rPr/>
+              <a:t>slightly</a:t>
+            </a:r>
+            <a:r>
+              <a:rPr/>
+              <a:t> </a:t>
+            </a:r>
+            <a:r>
+              <a:rPr/>
+              <a:t>differently</a:t>
+            </a:r>
+            <a:r>
+              <a:rPr/>
+              <a:t> </a:t>
+            </a:r>
+            <a:r>
+              <a:rPr/>
+              <a:t>on</a:t>
+            </a:r>
+            <a:r>
+              <a:rPr/>
+              <a:t> </a:t>
+            </a:r>
+            <a:r>
+              <a:rPr/>
+              <a:t>your</a:t>
+            </a:r>
+            <a:r>
+              <a:rPr/>
+              <a:t> </a:t>
+            </a:r>
+            <a:r>
+              <a:rPr/>
+              <a:t>computer</a:t>
+            </a:r>
+            <a:r>
+              <a:rPr/>
+              <a:t> </a:t>
+            </a:r>
+            <a:r>
+              <a:rPr/>
+              <a:t>system.</a:t>
+            </a:r>
+          </a:p>
+          <a:p>
+            <a:pPr lvl="0" marL="0" indent="0">
+              <a:buNone/>
+            </a:pPr>
+          </a:p>
+          <a:p>
+            <a:pPr lvl="0" marL="0" indent="0">
+              <a:buNone/>
+            </a:pPr>
+            <a:r>
+              <a:rPr/>
+              <a:t>Select</a:t>
+            </a:r>
+            <a:r>
+              <a:rPr/>
+              <a:t> </a:t>
+            </a:r>
+            <a:r>
+              <a:rPr/>
+              <a:t>“</a:t>
+            </a:r>
+            <a:r>
+              <a:rPr/>
+              <a:t>Text</a:t>
+            </a:r>
+            <a:r>
+              <a:rPr/>
+              <a:t> </a:t>
+            </a:r>
+            <a:r>
+              <a:rPr/>
+              <a:t>file</a:t>
+            </a:r>
+            <a:r>
+              <a:rPr/>
+              <a:t>”</a:t>
+            </a:r>
+            <a:r>
+              <a:rPr/>
+              <a:t> </a:t>
+            </a:r>
+            <a:r>
+              <a:rPr/>
+              <a:t>from</a:t>
             </a:r>
             <a:r>
               <a:rPr/>
@@ -6875,31 +8399,79 @@
             </a:r>
             <a:r>
               <a:rPr/>
-              <a:t>data</a:t>
-            </a:r>
-            <a:r>
-              <a:rPr/>
-              <a:t> </a:t>
-            </a:r>
-            <a:r>
-              <a:rPr/>
-              <a:t>correctly.</a:t>
-            </a:r>
-            <a:r>
-              <a:rPr/>
-              <a:t> </a:t>
-            </a:r>
-            <a:r>
-              <a:rPr/>
-              <a:t>Click</a:t>
-            </a:r>
-            <a:r>
-              <a:rPr/>
-              <a:t> </a:t>
-            </a:r>
-            <a:r>
-              <a:rPr/>
-              <a:t>on</a:t>
+              <a:t>left</a:t>
+            </a:r>
+            <a:r>
+              <a:rPr/>
+              <a:t> </a:t>
+            </a:r>
+            <a:r>
+              <a:rPr/>
+              <a:t>side</a:t>
+            </a:r>
+            <a:r>
+              <a:rPr/>
+              <a:t> </a:t>
+            </a:r>
+            <a:r>
+              <a:rPr/>
+              <a:t>menu</a:t>
+            </a:r>
+            <a:r>
+              <a:rPr/>
+              <a:t> </a:t>
+            </a:r>
+            <a:r>
+              <a:rPr/>
+              <a:t>bar</a:t>
+            </a:r>
+            <a:r>
+              <a:rPr/>
+              <a:t> </a:t>
+            </a:r>
+            <a:r>
+              <a:rPr/>
+              <a:t>or</a:t>
+            </a:r>
+            <a:r>
+              <a:rPr/>
+              <a:t> </a:t>
+            </a:r>
+            <a:r>
+              <a:rPr/>
+              <a:t>“</a:t>
+            </a:r>
+            <a:r>
+              <a:rPr/>
+              <a:t>File</a:t>
+            </a:r>
+            <a:r>
+              <a:rPr/>
+              <a:t> </a:t>
+            </a:r>
+            <a:r>
+              <a:rPr/>
+              <a:t>|</a:t>
+            </a:r>
+            <a:r>
+              <a:rPr/>
+              <a:t> </a:t>
+            </a:r>
+            <a:r>
+              <a:rPr/>
+              <a:t>Open</a:t>
+            </a:r>
+            <a:r>
+              <a:rPr/>
+              <a:t>”</a:t>
+            </a:r>
+            <a:r>
+              <a:rPr/>
+              <a:t> </a:t>
+            </a:r>
+            <a:r>
+              <a:rPr/>
+              <a:t>from</a:t>
             </a:r>
             <a:r>
               <a:rPr/>
@@ -6915,111 +8487,15 @@
             </a:r>
             <a:r>
               <a:rPr/>
-              <a:t>sheet1</a:t>
-            </a:r>
-            <a:r>
-              <a:rPr/>
-              <a:t> </a:t>
-            </a:r>
-            <a:r>
-              <a:rPr/>
-              <a:t>tab</a:t>
-            </a:r>
-            <a:r>
-              <a:rPr/>
-              <a:t> </a:t>
-            </a:r>
-            <a:r>
-              <a:rPr/>
-              <a:t>in</a:t>
-            </a:r>
-            <a:r>
-              <a:rPr/>
-              <a:t> </a:t>
-            </a:r>
-            <a:r>
-              <a:rPr/>
-              <a:t>the</a:t>
-            </a:r>
-            <a:r>
-              <a:rPr/>
-              <a:t> </a:t>
-            </a:r>
-            <a:r>
-              <a:rPr/>
-              <a:t>lower</a:t>
-            </a:r>
-            <a:r>
-              <a:rPr/>
-              <a:t> </a:t>
-            </a:r>
-            <a:r>
-              <a:rPr/>
-              <a:t>left</a:t>
-            </a:r>
-            <a:r>
-              <a:rPr/>
-              <a:t> </a:t>
-            </a:r>
-            <a:r>
-              <a:rPr/>
-              <a:t>corner</a:t>
-            </a:r>
-            <a:r>
-              <a:rPr/>
-              <a:t> </a:t>
-            </a:r>
-            <a:r>
-              <a:rPr/>
-              <a:t>to</a:t>
-            </a:r>
-            <a:r>
-              <a:rPr/>
-              <a:t> </a:t>
-            </a:r>
-            <a:r>
-              <a:rPr/>
-              <a:t>open</a:t>
-            </a:r>
-            <a:r>
-              <a:rPr/>
-              <a:t> </a:t>
-            </a:r>
-            <a:r>
-              <a:rPr/>
-              <a:t>up</a:t>
-            </a:r>
-            <a:r>
-              <a:rPr/>
-              <a:t> </a:t>
-            </a:r>
-            <a:r>
-              <a:rPr/>
-              <a:t>a</a:t>
-            </a:r>
-            <a:r>
-              <a:rPr/>
-              <a:t> </a:t>
-            </a:r>
-            <a:r>
-              <a:rPr/>
-              <a:t>blank</a:t>
-            </a:r>
-            <a:r>
-              <a:rPr/>
-              <a:t> </a:t>
-            </a:r>
-            <a:r>
-              <a:rPr/>
-              <a:t>visualization</a:t>
-            </a:r>
-            <a:r>
-              <a:rPr/>
-              <a:t> </a:t>
-            </a:r>
-            <a:r>
-              <a:rPr/>
-              <a:t>page.</a:t>
+              <a:t>main</a:t>
+            </a:r>
+            <a:r>
+              <a:rPr/>
+              <a:t> </a:t>
+            </a:r>
+            <a:r>
+              <a:rPr/>
+              <a:t>menu.</a:t>
             </a:r>
           </a:p>
         </p:txBody>
@@ -7041,7 +8517,7 @@
           <a:p>
             <a:fld id="{18BDFEC3-8487-43E8-A154-7C12CBC1FFF2}" type="slidenum">
               <a:rPr lang="en-US"/>
-              <a:t>11</a:t>
+              <a:t>9</a:t>
             </a:fld>
             <a:endParaRPr lang="en-US"/>
           </a:p>
@@ -7101,39 +8577,39 @@
             </a:pPr>
             <a:r>
               <a:rPr/>
-              <a:t>Tableau</a:t>
-            </a:r>
-            <a:r>
-              <a:rPr/>
-              <a:t> </a:t>
-            </a:r>
-            <a:r>
-              <a:rPr/>
-              <a:t>will</a:t>
-            </a:r>
-            <a:r>
-              <a:rPr/>
-              <a:t> </a:t>
-            </a:r>
-            <a:r>
-              <a:rPr/>
-              <a:t>try</a:t>
-            </a:r>
-            <a:r>
-              <a:rPr/>
-              <a:t> </a:t>
-            </a:r>
-            <a:r>
-              <a:rPr/>
-              <a:t>to</a:t>
-            </a:r>
-            <a:r>
-              <a:rPr/>
-              <a:t> </a:t>
-            </a:r>
-            <a:r>
-              <a:rPr/>
-              <a:t>classify</a:t>
+              <a:t>Find</a:t>
+            </a:r>
+            <a:r>
+              <a:rPr/>
+              <a:t> </a:t>
+            </a:r>
+            <a:r>
+              <a:rPr/>
+              <a:t>the</a:t>
+            </a:r>
+            <a:r>
+              <a:rPr/>
+              <a:t> </a:t>
+            </a:r>
+            <a:r>
+              <a:rPr/>
+              <a:t>proper</a:t>
+            </a:r>
+            <a:r>
+              <a:rPr/>
+              <a:t> </a:t>
+            </a:r>
+            <a:r>
+              <a:rPr/>
+              <a:t>location</a:t>
+            </a:r>
+            <a:r>
+              <a:rPr/>
+              <a:t> </a:t>
+            </a:r>
+            <a:r>
+              <a:rPr/>
+              <a:t>on</a:t>
             </a:r>
             <a:r>
               <a:rPr/>
@@ -7149,39 +8625,55 @@
             </a:r>
             <a:r>
               <a:rPr/>
-              <a:t>data</a:t>
-            </a:r>
-            <a:r>
-              <a:rPr/>
-              <a:t> </a:t>
-            </a:r>
-            <a:r>
-              <a:rPr/>
-              <a:t>as</a:t>
-            </a:r>
-            <a:r>
-              <a:rPr/>
-              <a:t> </a:t>
-            </a:r>
-            <a:r>
-              <a:rPr/>
-              <a:t>measures</a:t>
-            </a:r>
-            <a:r>
-              <a:rPr/>
-              <a:t> </a:t>
-            </a:r>
-            <a:r>
-              <a:rPr/>
-              <a:t>or</a:t>
-            </a:r>
-            <a:r>
-              <a:rPr/>
-              <a:t> </a:t>
-            </a:r>
-            <a:r>
-              <a:rPr/>
-              <a:t>dimensions</a:t>
+              <a:t>computer</a:t>
+            </a:r>
+            <a:r>
+              <a:rPr/>
+              <a:t> </a:t>
+            </a:r>
+            <a:r>
+              <a:rPr/>
+              <a:t>where</a:t>
+            </a:r>
+            <a:r>
+              <a:rPr/>
+              <a:t> </a:t>
+            </a:r>
+            <a:r>
+              <a:rPr/>
+              <a:t>you</a:t>
+            </a:r>
+            <a:r>
+              <a:rPr/>
+              <a:t> </a:t>
+            </a:r>
+            <a:r>
+              <a:rPr/>
+              <a:t>stored</a:t>
+            </a:r>
+            <a:r>
+              <a:rPr/>
+              <a:t> </a:t>
+            </a:r>
+            <a:r>
+              <a:rPr/>
+              <a:t>the</a:t>
+            </a:r>
+            <a:r>
+              <a:rPr/>
+              <a:t> </a:t>
+            </a:r>
+            <a:r>
+              <a:rPr/>
+              <a:t>downloaded</a:t>
+            </a:r>
+            <a:r>
+              <a:rPr/>
+              <a:t> </a:t>
+            </a:r>
+            <a:r>
+              <a:rPr/>
+              <a:t>file</a:t>
             </a:r>
             <a:r>
               <a:rPr/>
@@ -7197,469 +8689,15 @@
             </a:r>
             <a:r>
               <a:rPr/>
-              <a:t>will</a:t>
-            </a:r>
-            <a:r>
-              <a:rPr/>
-              <a:t> </a:t>
-            </a:r>
-            <a:r>
-              <a:rPr/>
-              <a:t>also</a:t>
-            </a:r>
-            <a:r>
-              <a:rPr/>
-              <a:t> </a:t>
-            </a:r>
-            <a:r>
-              <a:rPr/>
-              <a:t>try</a:t>
-            </a:r>
-            <a:r>
-              <a:rPr/>
-              <a:t> </a:t>
-            </a:r>
-            <a:r>
-              <a:rPr/>
-              <a:t>to</a:t>
-            </a:r>
-            <a:r>
-              <a:rPr/>
-              <a:t> </a:t>
-            </a:r>
-            <a:r>
-              <a:rPr/>
-              <a:t>decide</a:t>
-            </a:r>
-            <a:r>
-              <a:rPr/>
-              <a:t> </a:t>
-            </a:r>
-            <a:r>
-              <a:rPr/>
-              <a:t>whether</a:t>
-            </a:r>
-            <a:r>
-              <a:rPr/>
-              <a:t> </a:t>
-            </a:r>
-            <a:r>
-              <a:rPr/>
-              <a:t>they</a:t>
-            </a:r>
-            <a:r>
-              <a:rPr/>
-              <a:t> </a:t>
-            </a:r>
-            <a:r>
-              <a:rPr/>
-              <a:t>are</a:t>
-            </a:r>
-            <a:r>
-              <a:rPr/>
-              <a:t> </a:t>
-            </a:r>
-            <a:r>
-              <a:rPr/>
-              <a:t>categorical</a:t>
-            </a:r>
-            <a:r>
-              <a:rPr/>
-              <a:t> </a:t>
-            </a:r>
-            <a:r>
-              <a:rPr/>
-              <a:t>(designated</a:t>
-            </a:r>
-            <a:r>
-              <a:rPr/>
-              <a:t> </a:t>
-            </a:r>
-            <a:r>
-              <a:rPr/>
-              <a:t>by</a:t>
-            </a:r>
-            <a:r>
-              <a:rPr/>
-              <a:t> </a:t>
-            </a:r>
-            <a:r>
-              <a:rPr/>
-              <a:t>blue</a:t>
-            </a:r>
-            <a:r>
-              <a:rPr/>
-              <a:t> </a:t>
-            </a:r>
-            <a:r>
-              <a:rPr/>
-              <a:t>tags)</a:t>
-            </a:r>
-            <a:r>
-              <a:rPr/>
-              <a:t> </a:t>
-            </a:r>
-            <a:r>
-              <a:rPr/>
-              <a:t>or</a:t>
-            </a:r>
-            <a:r>
-              <a:rPr/>
-              <a:t> </a:t>
-            </a:r>
-            <a:r>
-              <a:rPr/>
-              <a:t>continuous</a:t>
-            </a:r>
-            <a:r>
-              <a:rPr/>
-              <a:t> </a:t>
-            </a:r>
-            <a:r>
-              <a:rPr/>
-              <a:t>(designated</a:t>
-            </a:r>
-            <a:r>
-              <a:rPr/>
-              <a:t> </a:t>
-            </a:r>
-            <a:r>
-              <a:rPr/>
-              <a:t>by</a:t>
-            </a:r>
-            <a:r>
-              <a:rPr/>
-              <a:t> </a:t>
-            </a:r>
-            <a:r>
-              <a:rPr/>
-              <a:t>green</a:t>
-            </a:r>
-            <a:r>
-              <a:rPr/>
-              <a:t> </a:t>
-            </a:r>
-            <a:r>
-              <a:rPr/>
-              <a:t>tags).</a:t>
-            </a:r>
-            <a:r>
-              <a:rPr/>
-              <a:t> </a:t>
-            </a:r>
-            <a:r>
-              <a:rPr/>
-              <a:t>Don’t</a:t>
-            </a:r>
-            <a:r>
-              <a:rPr/>
-              <a:t> </a:t>
-            </a:r>
-            <a:r>
-              <a:rPr/>
-              <a:t>worry</a:t>
-            </a:r>
-            <a:r>
-              <a:rPr/>
-              <a:t> </a:t>
-            </a:r>
-            <a:r>
-              <a:rPr/>
-              <a:t>too</a:t>
-            </a:r>
-            <a:r>
-              <a:rPr/>
-              <a:t> </a:t>
-            </a:r>
-            <a:r>
-              <a:rPr/>
-              <a:t>much</a:t>
-            </a:r>
-            <a:r>
-              <a:rPr/>
-              <a:t> </a:t>
-            </a:r>
-            <a:r>
-              <a:rPr/>
-              <a:t>about</a:t>
-            </a:r>
-            <a:r>
-              <a:rPr/>
-              <a:t> </a:t>
-            </a:r>
-            <a:r>
-              <a:rPr/>
-              <a:t>this</a:t>
-            </a:r>
-            <a:r>
-              <a:rPr/>
-              <a:t> </a:t>
-            </a:r>
-            <a:r>
-              <a:rPr/>
-              <a:t>now,</a:t>
-            </a:r>
-            <a:r>
-              <a:rPr/>
-              <a:t> </a:t>
-            </a:r>
-            <a:r>
-              <a:rPr/>
-              <a:t>other</a:t>
-            </a:r>
-            <a:r>
-              <a:rPr/>
-              <a:t> </a:t>
-            </a:r>
-            <a:r>
-              <a:rPr/>
-              <a:t>than</a:t>
-            </a:r>
-            <a:r>
-              <a:rPr/>
-              <a:t> </a:t>
-            </a:r>
-            <a:r>
-              <a:rPr/>
-              <a:t>to</a:t>
-            </a:r>
-            <a:r>
-              <a:rPr/>
-              <a:t> </a:t>
-            </a:r>
-            <a:r>
-              <a:rPr/>
-              <a:t>note</a:t>
-            </a:r>
-            <a:r>
-              <a:rPr/>
-              <a:t> </a:t>
-            </a:r>
-            <a:r>
-              <a:rPr/>
-              <a:t>that</a:t>
-            </a:r>
-            <a:r>
-              <a:rPr/>
-              <a:t> </a:t>
-            </a:r>
-            <a:r>
-              <a:rPr/>
-              <a:t>changing</a:t>
-            </a:r>
-            <a:r>
-              <a:rPr/>
-              <a:t> </a:t>
-            </a:r>
-            <a:r>
-              <a:rPr/>
-              <a:t>the</a:t>
-            </a:r>
-            <a:r>
-              <a:rPr/>
-              <a:t> </a:t>
-            </a:r>
-            <a:r>
-              <a:rPr/>
-              <a:t>designations</a:t>
-            </a:r>
-            <a:r>
-              <a:rPr/>
-              <a:t> </a:t>
-            </a:r>
-            <a:r>
-              <a:rPr/>
-              <a:t>that</a:t>
-            </a:r>
-            <a:r>
-              <a:rPr/>
-              <a:t> </a:t>
-            </a:r>
-            <a:r>
-              <a:rPr/>
-              <a:t>Tableau</a:t>
-            </a:r>
-            <a:r>
-              <a:rPr/>
-              <a:t> </a:t>
-            </a:r>
-            <a:r>
-              <a:rPr/>
-              <a:t>makes</a:t>
-            </a:r>
-            <a:r>
-              <a:rPr/>
-              <a:t> </a:t>
-            </a:r>
-            <a:r>
-              <a:rPr/>
-              <a:t>will</a:t>
-            </a:r>
-            <a:r>
-              <a:rPr/>
-              <a:t> </a:t>
-            </a:r>
-            <a:r>
-              <a:rPr/>
-              <a:t>change</a:t>
-            </a:r>
-            <a:r>
-              <a:rPr/>
-              <a:t> </a:t>
-            </a:r>
-            <a:r>
-              <a:rPr/>
-              <a:t>how</a:t>
-            </a:r>
-            <a:r>
-              <a:rPr/>
-              <a:t> </a:t>
-            </a:r>
-            <a:r>
-              <a:rPr/>
-              <a:t>you</a:t>
-            </a:r>
-            <a:r>
-              <a:rPr/>
-              <a:t> </a:t>
-            </a:r>
-            <a:r>
-              <a:rPr/>
-              <a:t>visualize</a:t>
-            </a:r>
-            <a:r>
-              <a:rPr/>
-              <a:t> </a:t>
-            </a:r>
-            <a:r>
-              <a:rPr/>
-              <a:t>things.</a:t>
-            </a:r>
-          </a:p>
-          <a:p>
-            <a:pPr lvl="0" marL="0" indent="0">
-              <a:buNone/>
-            </a:pPr>
-          </a:p>
-          <a:p>
-            <a:pPr lvl="0" marL="0" indent="0">
-              <a:buNone/>
-            </a:pPr>
-            <a:r>
-              <a:rPr/>
-              <a:t>Drag</a:t>
-            </a:r>
-            <a:r>
-              <a:rPr/>
-              <a:t> </a:t>
-            </a:r>
-            <a:r>
-              <a:rPr/>
-              <a:t>the</a:t>
-            </a:r>
-            <a:r>
-              <a:rPr/>
-              <a:t> </a:t>
-            </a:r>
-            <a:r>
-              <a:rPr/>
-              <a:t>variable</a:t>
-            </a:r>
-            <a:r>
-              <a:rPr/>
-              <a:t> </a:t>
-            </a:r>
-            <a:r>
-              <a:rPr/>
-              <a:t>Age</a:t>
-            </a:r>
-            <a:r>
-              <a:rPr/>
-              <a:t> </a:t>
-            </a:r>
-            <a:r>
-              <a:rPr/>
-              <a:t>into</a:t>
-            </a:r>
-            <a:r>
-              <a:rPr/>
-              <a:t> </a:t>
-            </a:r>
-            <a:r>
-              <a:rPr/>
-              <a:t>the</a:t>
-            </a:r>
-            <a:r>
-              <a:rPr/>
-              <a:t> </a:t>
-            </a:r>
-            <a:r>
-              <a:rPr/>
-              <a:t>Columns</a:t>
-            </a:r>
-            <a:r>
-              <a:rPr/>
-              <a:t> </a:t>
-            </a:r>
-            <a:r>
-              <a:rPr/>
-              <a:t>field</a:t>
-            </a:r>
-            <a:r>
-              <a:rPr/>
-              <a:t> </a:t>
-            </a:r>
-            <a:r>
-              <a:rPr/>
-              <a:t>and</a:t>
-            </a:r>
-            <a:r>
-              <a:rPr/>
-              <a:t> </a:t>
-            </a:r>
-            <a:r>
-              <a:rPr/>
-              <a:t>drag</a:t>
-            </a:r>
-            <a:r>
-              <a:rPr/>
-              <a:t> </a:t>
-            </a:r>
-            <a:r>
-              <a:rPr/>
-              <a:t>Price</a:t>
-            </a:r>
-            <a:r>
-              <a:rPr/>
-              <a:t> </a:t>
-            </a:r>
-            <a:r>
-              <a:rPr/>
-              <a:t>into</a:t>
-            </a:r>
-            <a:r>
-              <a:rPr/>
-              <a:t> </a:t>
-            </a:r>
-            <a:r>
-              <a:rPr/>
-              <a:t>the</a:t>
-            </a:r>
-            <a:r>
-              <a:rPr/>
-              <a:t> </a:t>
-            </a:r>
-            <a:r>
-              <a:rPr/>
-              <a:t>Rows</a:t>
-            </a:r>
-            <a:r>
-              <a:rPr/>
-              <a:t> </a:t>
-            </a:r>
-            <a:r>
-              <a:rPr/>
-              <a:t>field</a:t>
+              <a:t>open</a:t>
+            </a:r>
+            <a:r>
+              <a:rPr/>
+              <a:t> </a:t>
+            </a:r>
+            <a:r>
+              <a:rPr/>
+              <a:t>it.</a:t>
             </a:r>
           </a:p>
         </p:txBody>
@@ -7681,7 +8719,7 @@
           <a:p>
             <a:fld id="{18BDFEC3-8487-43E8-A154-7C12CBC1FFF2}" type="slidenum">
               <a:rPr lang="en-US"/>
-              <a:t>12</a:t>
+              <a:t>10</a:t>
             </a:fld>
             <a:endParaRPr lang="en-US"/>
           </a:p>
@@ -11800,55 +12838,15 @@
             </a:r>
             <a:r>
               <a:rPr/>
-              <a:t>Tableau,</a:t>
-            </a:r>
-            <a:r>
-              <a:rPr/>
-              <a:t> </a:t>
-            </a:r>
-            <a:r>
-              <a:rPr/>
-              <a:t>what</a:t>
-            </a:r>
-            <a:r>
-              <a:rPr/>
-              <a:t> </a:t>
-            </a:r>
-            <a:r>
-              <a:rPr/>
-              <a:t>your</a:t>
-            </a:r>
-            <a:r>
-              <a:rPr/>
-              <a:t> </a:t>
-            </a:r>
-            <a:r>
-              <a:rPr/>
-              <a:t>graph</a:t>
-            </a:r>
-            <a:r>
-              <a:rPr/>
-              <a:t> </a:t>
-            </a:r>
-            <a:r>
-              <a:rPr/>
-              <a:t>should</a:t>
-            </a:r>
-            <a:r>
-              <a:rPr/>
-              <a:t> </a:t>
-            </a:r>
-            <a:r>
-              <a:rPr/>
-              <a:t>look</a:t>
-            </a:r>
-            <a:r>
-              <a:rPr/>
-              <a:t> </a:t>
-            </a:r>
-            <a:r>
-              <a:rPr/>
-              <a:t>like</a:t>
+              <a:t>Tableau</a:t>
+            </a:r>
+            <a:r>
+              <a:rPr/>
+              <a:t> </a:t>
+            </a:r>
+            <a:r>
+              <a:rPr/>
+              <a:t>output</a:t>
             </a:r>
           </a:p>
         </p:txBody>
@@ -12528,6 +13526,40 @@
           </a:p>
         </p:txBody>
       </p:sp>
+      <p:sp>
+        <p:nvSpPr>
+          <p:cNvPr id="3" name="Content Placeholder 2"/>
+          <p:cNvSpPr>
+            <a:spLocks noGrp="1"/>
+          </p:cNvSpPr>
+          <p:nvPr>
+            <p:ph idx="1"/>
+          </p:nvPr>
+        </p:nvSpPr>
+        <p:spPr/>
+        <p:txBody>
+          <a:bodyPr/>
+          <a:lstStyle/>
+          <a:p>
+            <a:pPr lvl="0" marL="1270000" indent="0">
+              <a:buNone/>
+            </a:pPr>
+            <a:r>
+              <a:rPr sz="1800">
+                <a:latin typeface="Courier"/>
+              </a:rPr>
+              <a:t>import pandas as pd
+import altair as alt
+df = pd.read_csv("data/houses.csv")
+ch = alt.Chart(df).mark_point().encode(
+    x='Age',
+    y='Price'
+)
+ch.save("/images/python-scatterplot.html")</a:t>
+            </a:r>
+          </a:p>
+        </p:txBody>
+      </p:sp>
     </p:spTree>
   </p:cSld>
 </p:sld>
@@ -12586,7 +13618,7 @@
             </a:r>
             <a:r>
               <a:rPr/>
-              <a:t>plot</a:t>
+              <a:t>output</a:t>
             </a:r>
           </a:p>
         </p:txBody>
@@ -12600,7 +13632,7 @@
           <p:nvPr/>
         </p:nvPicPr>
         <p:blipFill>
-          <a:blip r:embed="rId2"/>
+          <a:blip r:embed="rId3"/>
           <a:stretch>
             <a:fillRect/>
           </a:stretch>
@@ -12770,8 +13802,7 @@
                 <a:latin typeface="Courier"/>
               </a:rPr>
               <a:t>library(ggplot2)
-fn &lt;- "https://dasl.datadescription.com/download/data/3275"
-saratoga_houses &lt;- read.table(fn, header=TRUE, sep="\x09")
+saratoga_houses &lt;- read.csv("data/houses.csv")
 ggplot(saratoga_houses, aes(x=Age, y=Price)) +
   geom_point()</a:t>
             </a:r>
@@ -12828,63 +13859,15 @@
             </a:r>
             <a:r>
               <a:rPr/>
-              <a:t>What</a:t>
-            </a:r>
-            <a:r>
-              <a:rPr/>
-              <a:t> </a:t>
-            </a:r>
-            <a:r>
-              <a:rPr/>
-              <a:t>your</a:t>
-            </a:r>
-            <a:r>
-              <a:rPr/>
-              <a:t> </a:t>
-            </a:r>
-            <a:r>
-              <a:rPr/>
-              <a:t>scatterplot</a:t>
-            </a:r>
-            <a:r>
-              <a:rPr/>
-              <a:t> </a:t>
-            </a:r>
-            <a:r>
-              <a:rPr/>
-              <a:t>should</a:t>
-            </a:r>
-            <a:r>
-              <a:rPr/>
-              <a:t> </a:t>
-            </a:r>
-            <a:r>
-              <a:rPr/>
-              <a:t>look</a:t>
-            </a:r>
-            <a:r>
-              <a:rPr/>
-              <a:t> </a:t>
-            </a:r>
-            <a:r>
-              <a:rPr/>
-              <a:t>like</a:t>
-            </a:r>
-            <a:r>
-              <a:rPr/>
-              <a:t> </a:t>
-            </a:r>
-            <a:r>
-              <a:rPr/>
-              <a:t>(R</a:t>
-            </a:r>
-            <a:r>
-              <a:rPr/>
-              <a:t> </a:t>
-            </a:r>
-            <a:r>
-              <a:rPr/>
-              <a:t>version)</a:t>
+              <a:t>R</a:t>
+            </a:r>
+            <a:r>
+              <a:rPr/>
+              <a:t> </a:t>
+            </a:r>
+            <a:r>
+              <a:rPr/>
+              <a:t>output</a:t>
             </a:r>
           </a:p>
         </p:txBody>
@@ -12898,7 +13881,7 @@
           <p:nvPr/>
         </p:nvPicPr>
         <p:blipFill>
-          <a:blip r:embed="rId2"/>
+          <a:blip r:embed="rId3"/>
           <a:stretch>
             <a:fillRect/>
           </a:stretch>
